--- a/topic10/talk-01/Authentication with JWT.pptx
+++ b/topic10/talk-01/Authentication with JWT.pptx
@@ -4439,7 +4439,7 @@
           <a:p>
             <a:fld id="{C9356069-4FA2-45C3-A84D-51090EC42BAD}" type="datetimeFigureOut">
               <a:rPr lang="en-IE" smtClean="0"/>
-              <a:t>10/12/2020</a:t>
+              <a:t>24/11/2021</a:t>
             </a:fld>
             <a:endParaRPr lang="en-IE"/>
           </a:p>
@@ -4835,147 +4835,7 @@
           <a:bodyPr/>
           <a:lstStyle/>
           <a:p>
-            <a:r>
-              <a:rPr lang="en-GB" sz="1200" b="1" i="0" kern="1200" dirty="0">
-                <a:solidFill>
-                  <a:schemeClr val="tx1"/>
-                </a:solidFill>
-                <a:effectLst/>
-                <a:latin typeface="+mn-lt"/>
-                <a:ea typeface="+mn-ea"/>
-                <a:cs typeface="+mn-cs"/>
-              </a:rPr>
-              <a:t>OAuth</a:t>
-            </a:r>
-            <a:r>
-              <a:rPr lang="en-GB" sz="1200" b="0" i="0" kern="1200" dirty="0">
-                <a:solidFill>
-                  <a:schemeClr val="tx1"/>
-                </a:solidFill>
-                <a:effectLst/>
-                <a:latin typeface="+mn-lt"/>
-                <a:ea typeface="+mn-ea"/>
-                <a:cs typeface="+mn-cs"/>
-              </a:rPr>
-              <a:t> (Open Authorization) is an open standard for token-based authentication and authorization on the Internet. </a:t>
-            </a:r>
-          </a:p>
-          <a:p>
-            <a:r>
-              <a:rPr lang="en-GB" sz="1200" b="1" i="0" kern="1200" dirty="0">
-                <a:solidFill>
-                  <a:schemeClr val="tx1"/>
-                </a:solidFill>
-                <a:effectLst/>
-                <a:latin typeface="+mn-lt"/>
-                <a:ea typeface="+mn-ea"/>
-                <a:cs typeface="+mn-cs"/>
-              </a:rPr>
-              <a:t>Cookie authentication</a:t>
-            </a:r>
-            <a:r>
-              <a:rPr lang="en-GB" sz="1200" b="0" i="0" kern="1200" dirty="0">
-                <a:solidFill>
-                  <a:schemeClr val="tx1"/>
-                </a:solidFill>
-                <a:effectLst/>
-                <a:latin typeface="+mn-lt"/>
-                <a:ea typeface="+mn-ea"/>
-                <a:cs typeface="+mn-cs"/>
-              </a:rPr>
-              <a:t> uses HTTP </a:t>
-            </a:r>
-            <a:r>
-              <a:rPr lang="en-GB" sz="1200" b="1" i="0" kern="1200" dirty="0">
-                <a:solidFill>
-                  <a:schemeClr val="tx1"/>
-                </a:solidFill>
-                <a:effectLst/>
-                <a:latin typeface="+mn-lt"/>
-                <a:ea typeface="+mn-ea"/>
-                <a:cs typeface="+mn-cs"/>
-              </a:rPr>
-              <a:t>cookies</a:t>
-            </a:r>
-            <a:r>
-              <a:rPr lang="en-GB" sz="1200" b="0" i="0" kern="1200" dirty="0">
-                <a:solidFill>
-                  <a:schemeClr val="tx1"/>
-                </a:solidFill>
-                <a:effectLst/>
-                <a:latin typeface="+mn-lt"/>
-                <a:ea typeface="+mn-ea"/>
-                <a:cs typeface="+mn-cs"/>
-              </a:rPr>
-              <a:t> </a:t>
-            </a:r>
-            <a:r>
-              <a:rPr lang="en-GB" sz="1200" b="0" i="0" kern="1200" dirty="0" err="1">
-                <a:solidFill>
-                  <a:schemeClr val="tx1"/>
-                </a:solidFill>
-                <a:effectLst/>
-                <a:latin typeface="+mn-lt"/>
-                <a:ea typeface="+mn-ea"/>
-                <a:cs typeface="+mn-cs"/>
-              </a:rPr>
-              <a:t>to</a:t>
-            </a:r>
-            <a:r>
-              <a:rPr lang="en-GB" sz="1200" b="1" i="0" kern="1200" dirty="0" err="1">
-                <a:solidFill>
-                  <a:schemeClr val="tx1"/>
-                </a:solidFill>
-                <a:effectLst/>
-                <a:latin typeface="+mn-lt"/>
-                <a:ea typeface="+mn-ea"/>
-                <a:cs typeface="+mn-cs"/>
-              </a:rPr>
-              <a:t>authenticate</a:t>
-            </a:r>
-            <a:r>
-              <a:rPr lang="en-GB" sz="1200" b="0" i="0" kern="1200" dirty="0">
-                <a:solidFill>
-                  <a:schemeClr val="tx1"/>
-                </a:solidFill>
-                <a:effectLst/>
-                <a:latin typeface="+mn-lt"/>
-                <a:ea typeface="+mn-ea"/>
-                <a:cs typeface="+mn-cs"/>
-              </a:rPr>
-              <a:t> client requests and maintain session information.</a:t>
-            </a:r>
-          </a:p>
-          <a:p>
-            <a:r>
-              <a:rPr lang="en-GB" sz="1200" b="0" i="0" kern="1200" dirty="0">
-                <a:solidFill>
-                  <a:schemeClr val="tx1"/>
-                </a:solidFill>
-                <a:effectLst/>
-                <a:latin typeface="+mn-lt"/>
-                <a:ea typeface="+mn-ea"/>
-                <a:cs typeface="+mn-cs"/>
-              </a:rPr>
-              <a:t> In basic HTTP authentication, a request contains a header field of the form </a:t>
-            </a:r>
-            <a:r>
-              <a:rPr lang="en-GB" dirty="0"/>
-              <a:t>Authorization: Basic &lt;credentials&gt;</a:t>
-            </a:r>
-            <a:r>
-              <a:rPr lang="en-GB" sz="1200" b="0" i="0" kern="1200" dirty="0">
-                <a:solidFill>
-                  <a:schemeClr val="tx1"/>
-                </a:solidFill>
-                <a:effectLst/>
-                <a:latin typeface="+mn-lt"/>
-                <a:ea typeface="+mn-ea"/>
-                <a:cs typeface="+mn-cs"/>
-              </a:rPr>
-              <a:t>, where credentials is the base64 encoding of id and password joined by a colon.</a:t>
-            </a:r>
-            <a:endParaRPr lang="en-IE" b="1" dirty="0"/>
+            <a:endParaRPr lang="en-IE" dirty="0"/>
           </a:p>
         </p:txBody>
       </p:sp>
@@ -4996,7 +4856,7 @@
           <a:p>
             <a:fld id="{2F2E01AB-F487-4477-818E-7219F7E83442}" type="slidenum">
               <a:rPr lang="en-IE" smtClean="0"/>
-              <a:t>11</a:t>
+              <a:t>8</a:t>
             </a:fld>
             <a:endParaRPr lang="en-IE"/>
           </a:p>
@@ -5005,7 +4865,7 @@
     </p:spTree>
     <p:extLst>
       <p:ext uri="{BB962C8B-B14F-4D97-AF65-F5344CB8AC3E}">
-        <p14:creationId xmlns:p14="http://schemas.microsoft.com/office/powerpoint/2010/main" val="3327604368"/>
+        <p14:creationId xmlns:p14="http://schemas.microsoft.com/office/powerpoint/2010/main" val="768563277"/>
       </p:ext>
     </p:extLst>
   </p:cSld>
@@ -5060,7 +4920,7 @@
           <a:lstStyle/>
           <a:p>
             <a:r>
-              <a:rPr lang="en-GB" sz="1200" b="0" i="0" u="none" strike="noStrike" kern="1200" dirty="0">
+              <a:rPr lang="en-GB" sz="1200" b="1" i="0" kern="1200" dirty="0">
                 <a:solidFill>
                   <a:schemeClr val="tx1"/>
                 </a:solidFill>
@@ -5069,12 +4929,10 @@
                 <a:ea typeface="+mn-ea"/>
                 <a:cs typeface="+mn-cs"/>
               </a:rPr>
-              <a:t>defines a compact and self-contained way for securely transmitting information between parties as a JSON object. </a:t>
-            </a:r>
-          </a:p>
-          <a:p>
-            <a:r>
-              <a:rPr lang="en-GB" sz="1200" b="0" i="0" u="none" strike="noStrike" kern="1200" dirty="0">
+              <a:t>OAuth</a:t>
+            </a:r>
+            <a:r>
+              <a:rPr lang="en-GB" sz="1200" b="0" i="0" kern="1200" dirty="0">
                 <a:solidFill>
                   <a:schemeClr val="tx1"/>
                 </a:solidFill>
@@ -5083,12 +4941,12 @@
                 <a:ea typeface="+mn-ea"/>
                 <a:cs typeface="+mn-cs"/>
               </a:rPr>
-              <a:t>information can be verified and trusted because it is digitally signed.</a:t>
-            </a:r>
-          </a:p>
-          <a:p>
-            <a:r>
-              <a:rPr lang="en-GB" sz="1200" b="0" i="0" u="none" strike="noStrike" kern="1200" dirty="0">
+              <a:t> (Open Authorization) is an open standard for token-based authentication and authorization on the Internet. </a:t>
+            </a:r>
+          </a:p>
+          <a:p>
+            <a:r>
+              <a:rPr lang="en-GB" sz="1200" b="1" i="0" kern="1200" dirty="0">
                 <a:solidFill>
                   <a:schemeClr val="tx1"/>
                 </a:solidFill>
@@ -5097,12 +4955,10 @@
                 <a:ea typeface="+mn-ea"/>
                 <a:cs typeface="+mn-cs"/>
               </a:rPr>
-              <a:t>Once the user is logged in, each subsequent request will include the JWT, allowing the user to access routes, services, and resources that are permitted with that token. Single Sign On is a feature that widely uses JWT nowadays, because of its small overhead and its ability to be easily used across different domains.</a:t>
-            </a:r>
-          </a:p>
-          <a:p>
-            <a:r>
-              <a:rPr lang="en-GB" sz="1200" b="0" i="0" u="none" strike="noStrike" kern="1200" dirty="0">
+              <a:t>Cookie authentication</a:t>
+            </a:r>
+            <a:r>
+              <a:rPr lang="en-GB" sz="1200" b="0" i="0" kern="1200" dirty="0">
                 <a:solidFill>
                   <a:schemeClr val="tx1"/>
                 </a:solidFill>
@@ -5111,9 +4967,99 @@
                 <a:ea typeface="+mn-ea"/>
                 <a:cs typeface="+mn-cs"/>
               </a:rPr>
-              <a:t> </a:t>
-            </a:r>
-            <a:endParaRPr lang="en-IE" dirty="0"/>
+              <a:t> uses HTTP </a:t>
+            </a:r>
+            <a:r>
+              <a:rPr lang="en-GB" sz="1200" b="1" i="0" kern="1200" dirty="0">
+                <a:solidFill>
+                  <a:schemeClr val="tx1"/>
+                </a:solidFill>
+                <a:effectLst/>
+                <a:latin typeface="+mn-lt"/>
+                <a:ea typeface="+mn-ea"/>
+                <a:cs typeface="+mn-cs"/>
+              </a:rPr>
+              <a:t>cookies</a:t>
+            </a:r>
+            <a:r>
+              <a:rPr lang="en-GB" sz="1200" b="0" i="0" kern="1200" dirty="0">
+                <a:solidFill>
+                  <a:schemeClr val="tx1"/>
+                </a:solidFill>
+                <a:effectLst/>
+                <a:latin typeface="+mn-lt"/>
+                <a:ea typeface="+mn-ea"/>
+                <a:cs typeface="+mn-cs"/>
+              </a:rPr>
+              <a:t> </a:t>
+            </a:r>
+            <a:r>
+              <a:rPr lang="en-GB" sz="1200" b="0" i="0" kern="1200" dirty="0" err="1">
+                <a:solidFill>
+                  <a:schemeClr val="tx1"/>
+                </a:solidFill>
+                <a:effectLst/>
+                <a:latin typeface="+mn-lt"/>
+                <a:ea typeface="+mn-ea"/>
+                <a:cs typeface="+mn-cs"/>
+              </a:rPr>
+              <a:t>to</a:t>
+            </a:r>
+            <a:r>
+              <a:rPr lang="en-GB" sz="1200" b="1" i="0" kern="1200" dirty="0" err="1">
+                <a:solidFill>
+                  <a:schemeClr val="tx1"/>
+                </a:solidFill>
+                <a:effectLst/>
+                <a:latin typeface="+mn-lt"/>
+                <a:ea typeface="+mn-ea"/>
+                <a:cs typeface="+mn-cs"/>
+              </a:rPr>
+              <a:t>authenticate</a:t>
+            </a:r>
+            <a:r>
+              <a:rPr lang="en-GB" sz="1200" b="0" i="0" kern="1200" dirty="0">
+                <a:solidFill>
+                  <a:schemeClr val="tx1"/>
+                </a:solidFill>
+                <a:effectLst/>
+                <a:latin typeface="+mn-lt"/>
+                <a:ea typeface="+mn-ea"/>
+                <a:cs typeface="+mn-cs"/>
+              </a:rPr>
+              <a:t> client requests and maintain session information.</a:t>
+            </a:r>
+          </a:p>
+          <a:p>
+            <a:r>
+              <a:rPr lang="en-GB" sz="1200" b="0" i="0" kern="1200" dirty="0">
+                <a:solidFill>
+                  <a:schemeClr val="tx1"/>
+                </a:solidFill>
+                <a:effectLst/>
+                <a:latin typeface="+mn-lt"/>
+                <a:ea typeface="+mn-ea"/>
+                <a:cs typeface="+mn-cs"/>
+              </a:rPr>
+              <a:t> In basic HTTP authentication, a request contains a header field of the form </a:t>
+            </a:r>
+            <a:r>
+              <a:rPr lang="en-GB" dirty="0"/>
+              <a:t>Authorization: Basic &lt;credentials&gt;</a:t>
+            </a:r>
+            <a:r>
+              <a:rPr lang="en-GB" sz="1200" b="0" i="0" kern="1200" dirty="0">
+                <a:solidFill>
+                  <a:schemeClr val="tx1"/>
+                </a:solidFill>
+                <a:effectLst/>
+                <a:latin typeface="+mn-lt"/>
+                <a:ea typeface="+mn-ea"/>
+                <a:cs typeface="+mn-cs"/>
+              </a:rPr>
+              <a:t>, where credentials is the base64 encoding of id and password joined by a colon.</a:t>
+            </a:r>
+            <a:endParaRPr lang="en-IE" b="1" dirty="0"/>
           </a:p>
         </p:txBody>
       </p:sp>
@@ -5134,7 +5080,7 @@
           <a:p>
             <a:fld id="{2F2E01AB-F487-4477-818E-7219F7E83442}" type="slidenum">
               <a:rPr lang="en-IE" smtClean="0"/>
-              <a:t>12</a:t>
+              <a:t>11</a:t>
             </a:fld>
             <a:endParaRPr lang="en-IE"/>
           </a:p>
@@ -5143,7 +5089,7 @@
     </p:spTree>
     <p:extLst>
       <p:ext uri="{BB962C8B-B14F-4D97-AF65-F5344CB8AC3E}">
-        <p14:creationId xmlns:p14="http://schemas.microsoft.com/office/powerpoint/2010/main" val="4245562808"/>
+        <p14:creationId xmlns:p14="http://schemas.microsoft.com/office/powerpoint/2010/main" val="3327604368"/>
       </p:ext>
     </p:extLst>
   </p:cSld>
@@ -5197,6 +5143,60 @@
           <a:bodyPr/>
           <a:lstStyle/>
           <a:p>
+            <a:r>
+              <a:rPr lang="en-GB" sz="1200" b="0" i="0" u="none" strike="noStrike" kern="1200" dirty="0">
+                <a:solidFill>
+                  <a:schemeClr val="tx1"/>
+                </a:solidFill>
+                <a:effectLst/>
+                <a:latin typeface="+mn-lt"/>
+                <a:ea typeface="+mn-ea"/>
+                <a:cs typeface="+mn-cs"/>
+              </a:rPr>
+              <a:t>defines a compact and self-contained way for securely transmitting information between parties as a JSON object. </a:t>
+            </a:r>
+          </a:p>
+          <a:p>
+            <a:r>
+              <a:rPr lang="en-GB" sz="1200" b="0" i="0" u="none" strike="noStrike" kern="1200" dirty="0">
+                <a:solidFill>
+                  <a:schemeClr val="tx1"/>
+                </a:solidFill>
+                <a:effectLst/>
+                <a:latin typeface="+mn-lt"/>
+                <a:ea typeface="+mn-ea"/>
+                <a:cs typeface="+mn-cs"/>
+              </a:rPr>
+              <a:t>information can be verified and trusted because it is digitally signed.</a:t>
+            </a:r>
+          </a:p>
+          <a:p>
+            <a:r>
+              <a:rPr lang="en-GB" sz="1200" b="0" i="0" u="none" strike="noStrike" kern="1200" dirty="0">
+                <a:solidFill>
+                  <a:schemeClr val="tx1"/>
+                </a:solidFill>
+                <a:effectLst/>
+                <a:latin typeface="+mn-lt"/>
+                <a:ea typeface="+mn-ea"/>
+                <a:cs typeface="+mn-cs"/>
+              </a:rPr>
+              <a:t>Once the user is logged in, each subsequent request will include the JWT, allowing the user to access routes, services, and resources that are permitted with that token. Single Sign On is a feature that widely uses JWT nowadays, because of its small overhead and its ability to be easily used across different domains.</a:t>
+            </a:r>
+          </a:p>
+          <a:p>
+            <a:r>
+              <a:rPr lang="en-GB" sz="1200" b="0" i="0" u="none" strike="noStrike" kern="1200" dirty="0">
+                <a:solidFill>
+                  <a:schemeClr val="tx1"/>
+                </a:solidFill>
+                <a:effectLst/>
+                <a:latin typeface="+mn-lt"/>
+                <a:ea typeface="+mn-ea"/>
+                <a:cs typeface="+mn-cs"/>
+              </a:rPr>
+              <a:t> </a:t>
+            </a:r>
             <a:endParaRPr lang="en-IE" dirty="0"/>
           </a:p>
         </p:txBody>
@@ -5218,7 +5218,7 @@
           <a:p>
             <a:fld id="{2F2E01AB-F487-4477-818E-7219F7E83442}" type="slidenum">
               <a:rPr lang="en-IE" smtClean="0"/>
-              <a:t>13</a:t>
+              <a:t>12</a:t>
             </a:fld>
             <a:endParaRPr lang="en-IE"/>
           </a:p>
@@ -5227,7 +5227,7 @@
     </p:spTree>
     <p:extLst>
       <p:ext uri="{BB962C8B-B14F-4D97-AF65-F5344CB8AC3E}">
-        <p14:creationId xmlns:p14="http://schemas.microsoft.com/office/powerpoint/2010/main" val="2007283647"/>
+        <p14:creationId xmlns:p14="http://schemas.microsoft.com/office/powerpoint/2010/main" val="4245562808"/>
       </p:ext>
     </p:extLst>
   </p:cSld>
@@ -5281,214 +5281,7 @@
           <a:bodyPr/>
           <a:lstStyle/>
           <a:p>
-            <a:r>
-              <a:rPr lang="en-GB" b="0" i="0" dirty="0">
-                <a:solidFill>
-                  <a:srgbClr val="292929"/>
-                </a:solidFill>
-                <a:effectLst/>
-                <a:latin typeface="charter"/>
-              </a:rPr>
-              <a:t>Password hashing is a simple way of storing users’ passwords in a database. Users enter their password, which is then inserted into a </a:t>
-            </a:r>
-            <a:r>
-              <a:rPr lang="en-GB" b="0" i="0" u="sng" dirty="0">
-                <a:effectLst/>
-                <a:latin typeface="charter"/>
-                <a:hlinkClick r:id="rId3"/>
-              </a:rPr>
-              <a:t>hash function</a:t>
-            </a:r>
-            <a:r>
-              <a:rPr lang="en-GB" b="0" i="0" dirty="0">
-                <a:solidFill>
-                  <a:srgbClr val="292929"/>
-                </a:solidFill>
-                <a:effectLst/>
-                <a:latin typeface="charter"/>
-              </a:rPr>
-              <a:t> that then maps the users password to a fixed-length string of random characters. Some common hash functions include MD5 and SHA256.</a:t>
-            </a:r>
-            <a:endParaRPr lang="en-GB" b="1" i="0" dirty="0">
-              <a:solidFill>
-                <a:srgbClr val="292929"/>
-              </a:solidFill>
-              <a:effectLst/>
-              <a:latin typeface="charter"/>
-            </a:endParaRPr>
-          </a:p>
-          <a:p>
-            <a:endParaRPr lang="en-GB" b="1" i="0" dirty="0">
-              <a:solidFill>
-                <a:srgbClr val="292929"/>
-              </a:solidFill>
-              <a:effectLst/>
-              <a:latin typeface="charter"/>
-            </a:endParaRPr>
-          </a:p>
-          <a:p>
-            <a:r>
-              <a:rPr lang="en-GB" b="0" i="0" dirty="0">
-                <a:solidFill>
-                  <a:srgbClr val="292929"/>
-                </a:solidFill>
-                <a:effectLst/>
-                <a:latin typeface="charter"/>
-              </a:rPr>
-              <a:t>A </a:t>
-            </a:r>
-            <a:r>
-              <a:rPr lang="en-GB" b="0" i="0" u="sng" dirty="0">
-                <a:effectLst/>
-                <a:latin typeface="charter"/>
-                <a:hlinkClick r:id="rId4"/>
-              </a:rPr>
-              <a:t>salt</a:t>
-            </a:r>
-            <a:r>
-              <a:rPr lang="en-GB" b="0" i="0" dirty="0">
-                <a:solidFill>
-                  <a:srgbClr val="292929"/>
-                </a:solidFill>
-                <a:effectLst/>
-                <a:latin typeface="charter"/>
-              </a:rPr>
-              <a:t> is a random character string that is added to the beginning or the end of a password. This salt is unique to each user, and is stored in the database along with the username and salted-hashed password.</a:t>
-            </a:r>
-          </a:p>
-          <a:p>
-            <a:endParaRPr lang="en-GB" b="0" i="0" dirty="0">
-              <a:solidFill>
-                <a:srgbClr val="292929"/>
-              </a:solidFill>
-              <a:effectLst/>
-              <a:latin typeface="charter"/>
-            </a:endParaRPr>
-          </a:p>
-          <a:p>
-            <a:pPr algn="l"/>
-            <a:r>
-              <a:rPr lang="en-GB" b="0" i="0" dirty="0">
-                <a:solidFill>
-                  <a:srgbClr val="292929"/>
-                </a:solidFill>
-                <a:effectLst/>
-                <a:latin typeface="charter"/>
-              </a:rPr>
-              <a:t>Storing a Password:</a:t>
-            </a:r>
-          </a:p>
-          <a:p>
-            <a:pPr algn="l">
-              <a:buFont typeface="+mj-lt"/>
-              <a:buAutoNum type="arabicPeriod"/>
-            </a:pPr>
-            <a:r>
-              <a:rPr lang="en-GB" b="0" i="0" dirty="0">
-                <a:solidFill>
-                  <a:srgbClr val="292929"/>
-                </a:solidFill>
-                <a:effectLst/>
-                <a:latin typeface="charter"/>
-              </a:rPr>
-              <a:t>Generate super long salt with a CSPRNG</a:t>
-            </a:r>
-          </a:p>
-          <a:p>
-            <a:pPr algn="l">
-              <a:buFont typeface="+mj-lt"/>
-              <a:buAutoNum type="arabicPeriod"/>
-            </a:pPr>
-            <a:r>
-              <a:rPr lang="en-GB" b="0" i="0" dirty="0">
-                <a:solidFill>
-                  <a:srgbClr val="292929"/>
-                </a:solidFill>
-                <a:effectLst/>
-                <a:latin typeface="charter"/>
-              </a:rPr>
-              <a:t>Prepend the salt to the user password and hash it</a:t>
-            </a:r>
-          </a:p>
-          <a:p>
-            <a:pPr algn="l">
-              <a:buFont typeface="+mj-lt"/>
-              <a:buAutoNum type="arabicPeriod"/>
-            </a:pPr>
-            <a:r>
-              <a:rPr lang="en-GB" b="0" i="0" dirty="0">
-                <a:solidFill>
-                  <a:srgbClr val="292929"/>
-                </a:solidFill>
-                <a:effectLst/>
-                <a:latin typeface="charter"/>
-              </a:rPr>
-              <a:t>Save the salt and the hash in the database</a:t>
-            </a:r>
-          </a:p>
-          <a:p>
-            <a:pPr algn="l"/>
-            <a:r>
-              <a:rPr lang="en-GB" b="0" i="0" dirty="0">
-                <a:solidFill>
-                  <a:srgbClr val="292929"/>
-                </a:solidFill>
-                <a:effectLst/>
-                <a:latin typeface="charter"/>
-              </a:rPr>
-              <a:t>Checking a Password:</a:t>
-            </a:r>
-          </a:p>
-          <a:p>
-            <a:pPr algn="l">
-              <a:buFont typeface="+mj-lt"/>
-              <a:buAutoNum type="arabicPeriod"/>
-            </a:pPr>
-            <a:r>
-              <a:rPr lang="en-GB" b="0" i="0" dirty="0">
-                <a:solidFill>
-                  <a:srgbClr val="292929"/>
-                </a:solidFill>
-                <a:effectLst/>
-                <a:latin typeface="charter"/>
-              </a:rPr>
-              <a:t>Get the salt and hash from the database</a:t>
-            </a:r>
-          </a:p>
-          <a:p>
-            <a:pPr algn="l">
-              <a:buFont typeface="+mj-lt"/>
-              <a:buAutoNum type="arabicPeriod"/>
-            </a:pPr>
-            <a:r>
-              <a:rPr lang="en-GB" b="0" i="0" dirty="0">
-                <a:solidFill>
-                  <a:srgbClr val="292929"/>
-                </a:solidFill>
-                <a:effectLst/>
-                <a:latin typeface="charter"/>
-              </a:rPr>
-              <a:t>Prepend the salt to the submitted password and hash it</a:t>
-            </a:r>
-          </a:p>
-          <a:p>
-            <a:pPr algn="l">
-              <a:buFont typeface="+mj-lt"/>
-              <a:buAutoNum type="arabicPeriod"/>
-            </a:pPr>
-            <a:r>
-              <a:rPr lang="en-GB" b="0" i="0" dirty="0">
-                <a:solidFill>
-                  <a:srgbClr val="292929"/>
-                </a:solidFill>
-                <a:effectLst/>
-                <a:latin typeface="charter"/>
-              </a:rPr>
-              <a:t>Compare the hashes. If they are equal, the password is correct</a:t>
-            </a:r>
-          </a:p>
-          <a:p>
-            <a:endParaRPr lang="en-IE" b="1" dirty="0"/>
+            <a:endParaRPr lang="en-IE" dirty="0"/>
           </a:p>
         </p:txBody>
       </p:sp>
@@ -5509,7 +5302,7 @@
           <a:p>
             <a:fld id="{2F2E01AB-F487-4477-818E-7219F7E83442}" type="slidenum">
               <a:rPr lang="en-IE" smtClean="0"/>
-              <a:t>20</a:t>
+              <a:t>13</a:t>
             </a:fld>
             <a:endParaRPr lang="en-IE"/>
           </a:p>
@@ -5518,7 +5311,7 @@
     </p:spTree>
     <p:extLst>
       <p:ext uri="{BB962C8B-B14F-4D97-AF65-F5344CB8AC3E}">
-        <p14:creationId xmlns:p14="http://schemas.microsoft.com/office/powerpoint/2010/main" val="3313271516"/>
+        <p14:creationId xmlns:p14="http://schemas.microsoft.com/office/powerpoint/2010/main" val="2007283647"/>
       </p:ext>
     </p:extLst>
   </p:cSld>
@@ -5572,7 +5365,214 @@
           <a:bodyPr/>
           <a:lstStyle/>
           <a:p>
-            <a:endParaRPr lang="en-IE" dirty="0"/>
+            <a:r>
+              <a:rPr lang="en-GB" b="0" i="0" dirty="0">
+                <a:solidFill>
+                  <a:srgbClr val="292929"/>
+                </a:solidFill>
+                <a:effectLst/>
+                <a:latin typeface="charter"/>
+              </a:rPr>
+              <a:t>Password hashing is a simple way of storing users’ passwords in a database. Users enter their password, which is then inserted into a </a:t>
+            </a:r>
+            <a:r>
+              <a:rPr lang="en-GB" b="0" i="0" u="sng" dirty="0">
+                <a:effectLst/>
+                <a:latin typeface="charter"/>
+                <a:hlinkClick r:id="rId3"/>
+              </a:rPr>
+              <a:t>hash function</a:t>
+            </a:r>
+            <a:r>
+              <a:rPr lang="en-GB" b="0" i="0" dirty="0">
+                <a:solidFill>
+                  <a:srgbClr val="292929"/>
+                </a:solidFill>
+                <a:effectLst/>
+                <a:latin typeface="charter"/>
+              </a:rPr>
+              <a:t> that then maps the users password to a fixed-length string of random characters. Some common hash functions include MD5 and SHA256.</a:t>
+            </a:r>
+            <a:endParaRPr lang="en-GB" b="1" i="0" dirty="0">
+              <a:solidFill>
+                <a:srgbClr val="292929"/>
+              </a:solidFill>
+              <a:effectLst/>
+              <a:latin typeface="charter"/>
+            </a:endParaRPr>
+          </a:p>
+          <a:p>
+            <a:endParaRPr lang="en-GB" b="1" i="0" dirty="0">
+              <a:solidFill>
+                <a:srgbClr val="292929"/>
+              </a:solidFill>
+              <a:effectLst/>
+              <a:latin typeface="charter"/>
+            </a:endParaRPr>
+          </a:p>
+          <a:p>
+            <a:r>
+              <a:rPr lang="en-GB" b="0" i="0" dirty="0">
+                <a:solidFill>
+                  <a:srgbClr val="292929"/>
+                </a:solidFill>
+                <a:effectLst/>
+                <a:latin typeface="charter"/>
+              </a:rPr>
+              <a:t>A </a:t>
+            </a:r>
+            <a:r>
+              <a:rPr lang="en-GB" b="0" i="0" u="sng" dirty="0">
+                <a:effectLst/>
+                <a:latin typeface="charter"/>
+                <a:hlinkClick r:id="rId4"/>
+              </a:rPr>
+              <a:t>salt</a:t>
+            </a:r>
+            <a:r>
+              <a:rPr lang="en-GB" b="0" i="0" dirty="0">
+                <a:solidFill>
+                  <a:srgbClr val="292929"/>
+                </a:solidFill>
+                <a:effectLst/>
+                <a:latin typeface="charter"/>
+              </a:rPr>
+              <a:t> is a random character string that is added to the beginning or the end of a password. This salt is unique to each user, and is stored in the database along with the username and salted-hashed password.</a:t>
+            </a:r>
+          </a:p>
+          <a:p>
+            <a:endParaRPr lang="en-GB" b="0" i="0" dirty="0">
+              <a:solidFill>
+                <a:srgbClr val="292929"/>
+              </a:solidFill>
+              <a:effectLst/>
+              <a:latin typeface="charter"/>
+            </a:endParaRPr>
+          </a:p>
+          <a:p>
+            <a:pPr algn="l"/>
+            <a:r>
+              <a:rPr lang="en-GB" b="0" i="0" dirty="0">
+                <a:solidFill>
+                  <a:srgbClr val="292929"/>
+                </a:solidFill>
+                <a:effectLst/>
+                <a:latin typeface="charter"/>
+              </a:rPr>
+              <a:t>Storing a Password:</a:t>
+            </a:r>
+          </a:p>
+          <a:p>
+            <a:pPr algn="l">
+              <a:buFont typeface="+mj-lt"/>
+              <a:buAutoNum type="arabicPeriod"/>
+            </a:pPr>
+            <a:r>
+              <a:rPr lang="en-GB" b="0" i="0" dirty="0">
+                <a:solidFill>
+                  <a:srgbClr val="292929"/>
+                </a:solidFill>
+                <a:effectLst/>
+                <a:latin typeface="charter"/>
+              </a:rPr>
+              <a:t>Generate super long salt with a CSPRNG</a:t>
+            </a:r>
+          </a:p>
+          <a:p>
+            <a:pPr algn="l">
+              <a:buFont typeface="+mj-lt"/>
+              <a:buAutoNum type="arabicPeriod"/>
+            </a:pPr>
+            <a:r>
+              <a:rPr lang="en-GB" b="0" i="0" dirty="0">
+                <a:solidFill>
+                  <a:srgbClr val="292929"/>
+                </a:solidFill>
+                <a:effectLst/>
+                <a:latin typeface="charter"/>
+              </a:rPr>
+              <a:t>Prepend the salt to the user password and hash it</a:t>
+            </a:r>
+          </a:p>
+          <a:p>
+            <a:pPr algn="l">
+              <a:buFont typeface="+mj-lt"/>
+              <a:buAutoNum type="arabicPeriod"/>
+            </a:pPr>
+            <a:r>
+              <a:rPr lang="en-GB" b="0" i="0" dirty="0">
+                <a:solidFill>
+                  <a:srgbClr val="292929"/>
+                </a:solidFill>
+                <a:effectLst/>
+                <a:latin typeface="charter"/>
+              </a:rPr>
+              <a:t>Save the salt and the hash in the database</a:t>
+            </a:r>
+          </a:p>
+          <a:p>
+            <a:pPr algn="l"/>
+            <a:r>
+              <a:rPr lang="en-GB" b="0" i="0" dirty="0">
+                <a:solidFill>
+                  <a:srgbClr val="292929"/>
+                </a:solidFill>
+                <a:effectLst/>
+                <a:latin typeface="charter"/>
+              </a:rPr>
+              <a:t>Checking a Password:</a:t>
+            </a:r>
+          </a:p>
+          <a:p>
+            <a:pPr algn="l">
+              <a:buFont typeface="+mj-lt"/>
+              <a:buAutoNum type="arabicPeriod"/>
+            </a:pPr>
+            <a:r>
+              <a:rPr lang="en-GB" b="0" i="0" dirty="0">
+                <a:solidFill>
+                  <a:srgbClr val="292929"/>
+                </a:solidFill>
+                <a:effectLst/>
+                <a:latin typeface="charter"/>
+              </a:rPr>
+              <a:t>Get the salt and hash from the database</a:t>
+            </a:r>
+          </a:p>
+          <a:p>
+            <a:pPr algn="l">
+              <a:buFont typeface="+mj-lt"/>
+              <a:buAutoNum type="arabicPeriod"/>
+            </a:pPr>
+            <a:r>
+              <a:rPr lang="en-GB" b="0" i="0" dirty="0">
+                <a:solidFill>
+                  <a:srgbClr val="292929"/>
+                </a:solidFill>
+                <a:effectLst/>
+                <a:latin typeface="charter"/>
+              </a:rPr>
+              <a:t>Prepend the salt to the submitted password and hash it</a:t>
+            </a:r>
+          </a:p>
+          <a:p>
+            <a:pPr algn="l">
+              <a:buFont typeface="+mj-lt"/>
+              <a:buAutoNum type="arabicPeriod"/>
+            </a:pPr>
+            <a:r>
+              <a:rPr lang="en-GB" b="0" i="0" dirty="0">
+                <a:solidFill>
+                  <a:srgbClr val="292929"/>
+                </a:solidFill>
+                <a:effectLst/>
+                <a:latin typeface="charter"/>
+              </a:rPr>
+              <a:t>Compare the hashes. If they are equal, the password is correct</a:t>
+            </a:r>
+          </a:p>
+          <a:p>
+            <a:endParaRPr lang="en-IE" b="1" dirty="0"/>
           </a:p>
         </p:txBody>
       </p:sp>
@@ -5593,6 +5593,90 @@
           <a:p>
             <a:fld id="{2F2E01AB-F487-4477-818E-7219F7E83442}" type="slidenum">
               <a:rPr lang="en-IE" smtClean="0"/>
+              <a:t>20</a:t>
+            </a:fld>
+            <a:endParaRPr lang="en-IE"/>
+          </a:p>
+        </p:txBody>
+      </p:sp>
+    </p:spTree>
+    <p:extLst>
+      <p:ext uri="{BB962C8B-B14F-4D97-AF65-F5344CB8AC3E}">
+        <p14:creationId xmlns:p14="http://schemas.microsoft.com/office/powerpoint/2010/main" val="3313271516"/>
+      </p:ext>
+    </p:extLst>
+  </p:cSld>
+  <p:clrMapOvr>
+    <a:masterClrMapping/>
+  </p:clrMapOvr>
+</p:notes>
+</file>
+
+<file path=ppt/notesSlides/notesSlide7.xml><?xml version="1.0" encoding="utf-8"?>
+<p:notes xmlns:a="http://schemas.openxmlformats.org/drawingml/2006/main" xmlns:r="http://schemas.openxmlformats.org/officeDocument/2006/relationships" xmlns:p="http://schemas.openxmlformats.org/presentationml/2006/main">
+  <p:cSld>
+    <p:spTree>
+      <p:nvGrpSpPr>
+        <p:cNvPr id="1" name=""/>
+        <p:cNvGrpSpPr/>
+        <p:nvPr/>
+      </p:nvGrpSpPr>
+      <p:grpSpPr>
+        <a:xfrm>
+          <a:off x="0" y="0"/>
+          <a:ext cx="0" cy="0"/>
+          <a:chOff x="0" y="0"/>
+          <a:chExt cx="0" cy="0"/>
+        </a:xfrm>
+      </p:grpSpPr>
+      <p:sp>
+        <p:nvSpPr>
+          <p:cNvPr id="2" name="Slide Image Placeholder 1"/>
+          <p:cNvSpPr>
+            <a:spLocks noGrp="1" noRot="1" noChangeAspect="1"/>
+          </p:cNvSpPr>
+          <p:nvPr>
+            <p:ph type="sldImg"/>
+          </p:nvPr>
+        </p:nvSpPr>
+        <p:spPr/>
+      </p:sp>
+      <p:sp>
+        <p:nvSpPr>
+          <p:cNvPr id="3" name="Notes Placeholder 2"/>
+          <p:cNvSpPr>
+            <a:spLocks noGrp="1"/>
+          </p:cNvSpPr>
+          <p:nvPr>
+            <p:ph type="body" idx="1"/>
+          </p:nvPr>
+        </p:nvSpPr>
+        <p:spPr/>
+        <p:txBody>
+          <a:bodyPr/>
+          <a:lstStyle/>
+          <a:p>
+            <a:endParaRPr lang="en-IE" dirty="0"/>
+          </a:p>
+        </p:txBody>
+      </p:sp>
+      <p:sp>
+        <p:nvSpPr>
+          <p:cNvPr id="4" name="Slide Number Placeholder 3"/>
+          <p:cNvSpPr>
+            <a:spLocks noGrp="1"/>
+          </p:cNvSpPr>
+          <p:nvPr>
+            <p:ph type="sldNum" sz="quarter" idx="5"/>
+          </p:nvPr>
+        </p:nvSpPr>
+        <p:spPr/>
+        <p:txBody>
+          <a:bodyPr/>
+          <a:lstStyle/>
+          <a:p>
+            <a:fld id="{2F2E01AB-F487-4477-818E-7219F7E83442}" type="slidenum">
+              <a:rPr lang="en-IE" smtClean="0"/>
               <a:t>36</a:t>
             </a:fld>
             <a:endParaRPr lang="en-IE"/>
@@ -5612,7 +5696,7 @@
 </p:notes>
 </file>
 
-<file path=ppt/notesSlides/notesSlide7.xml><?xml version="1.0" encoding="utf-8"?>
+<file path=ppt/notesSlides/notesSlide8.xml><?xml version="1.0" encoding="utf-8"?>
 <p:notes xmlns:a="http://schemas.openxmlformats.org/drawingml/2006/main" xmlns:r="http://schemas.openxmlformats.org/officeDocument/2006/relationships" xmlns:p="http://schemas.openxmlformats.org/presentationml/2006/main">
   <p:cSld>
     <p:spTree>
@@ -5825,7 +5909,7 @@
           <a:p>
             <a:fld id="{846CE7D5-CF57-46EF-B807-FDD0502418D4}" type="datetimeFigureOut">
               <a:rPr lang="en-US" smtClean="0"/>
-              <a:t>12/10/2020</a:t>
+              <a:t>11/24/2021</a:t>
             </a:fld>
             <a:endParaRPr lang="en-US"/>
           </a:p>
@@ -5993,7 +6077,7 @@
           <a:p>
             <a:fld id="{846CE7D5-CF57-46EF-B807-FDD0502418D4}" type="datetimeFigureOut">
               <a:rPr lang="en-US" smtClean="0"/>
-              <a:t>12/10/2020</a:t>
+              <a:t>11/24/2021</a:t>
             </a:fld>
             <a:endParaRPr lang="en-US"/>
           </a:p>
@@ -6171,7 +6255,7 @@
           <a:p>
             <a:fld id="{846CE7D5-CF57-46EF-B807-FDD0502418D4}" type="datetimeFigureOut">
               <a:rPr lang="en-US" smtClean="0"/>
-              <a:t>12/10/2020</a:t>
+              <a:t>11/24/2021</a:t>
             </a:fld>
             <a:endParaRPr lang="en-US"/>
           </a:p>
@@ -6339,7 +6423,7 @@
           <a:p>
             <a:fld id="{846CE7D5-CF57-46EF-B807-FDD0502418D4}" type="datetimeFigureOut">
               <a:rPr lang="en-US" smtClean="0"/>
-              <a:t>12/10/2020</a:t>
+              <a:t>11/24/2021</a:t>
             </a:fld>
             <a:endParaRPr lang="en-US"/>
           </a:p>
@@ -6584,7 +6668,7 @@
           <a:p>
             <a:fld id="{846CE7D5-CF57-46EF-B807-FDD0502418D4}" type="datetimeFigureOut">
               <a:rPr lang="en-US" smtClean="0"/>
-              <a:t>12/10/2020</a:t>
+              <a:t>11/24/2021</a:t>
             </a:fld>
             <a:endParaRPr lang="en-US"/>
           </a:p>
@@ -6813,7 +6897,7 @@
           <a:p>
             <a:fld id="{846CE7D5-CF57-46EF-B807-FDD0502418D4}" type="datetimeFigureOut">
               <a:rPr lang="en-US" smtClean="0"/>
-              <a:t>12/10/2020</a:t>
+              <a:t>11/24/2021</a:t>
             </a:fld>
             <a:endParaRPr lang="en-US"/>
           </a:p>
@@ -7177,7 +7261,7 @@
           <a:p>
             <a:fld id="{846CE7D5-CF57-46EF-B807-FDD0502418D4}" type="datetimeFigureOut">
               <a:rPr lang="en-US" smtClean="0"/>
-              <a:t>12/10/2020</a:t>
+              <a:t>11/24/2021</a:t>
             </a:fld>
             <a:endParaRPr lang="en-US"/>
           </a:p>
@@ -7294,7 +7378,7 @@
           <a:p>
             <a:fld id="{846CE7D5-CF57-46EF-B807-FDD0502418D4}" type="datetimeFigureOut">
               <a:rPr lang="en-US" smtClean="0"/>
-              <a:t>12/10/2020</a:t>
+              <a:t>11/24/2021</a:t>
             </a:fld>
             <a:endParaRPr lang="en-US"/>
           </a:p>
@@ -7389,7 +7473,7 @@
           <a:p>
             <a:fld id="{846CE7D5-CF57-46EF-B807-FDD0502418D4}" type="datetimeFigureOut">
               <a:rPr lang="en-US" smtClean="0"/>
-              <a:t>12/10/2020</a:t>
+              <a:t>11/24/2021</a:t>
             </a:fld>
             <a:endParaRPr lang="en-US"/>
           </a:p>
@@ -7664,7 +7748,7 @@
           <a:p>
             <a:fld id="{846CE7D5-CF57-46EF-B807-FDD0502418D4}" type="datetimeFigureOut">
               <a:rPr lang="en-US" smtClean="0"/>
-              <a:t>12/10/2020</a:t>
+              <a:t>11/24/2021</a:t>
             </a:fld>
             <a:endParaRPr lang="en-US"/>
           </a:p>
@@ -7919,7 +8003,7 @@
           <a:p>
             <a:fld id="{846CE7D5-CF57-46EF-B807-FDD0502418D4}" type="datetimeFigureOut">
               <a:rPr lang="en-US" smtClean="0"/>
-              <a:t>12/10/2020</a:t>
+              <a:t>11/24/2021</a:t>
             </a:fld>
             <a:endParaRPr lang="en-US"/>
           </a:p>
@@ -8130,7 +8214,7 @@
           <a:p>
             <a:fld id="{846CE7D5-CF57-46EF-B807-FDD0502418D4}" type="datetimeFigureOut">
               <a:rPr lang="en-US" smtClean="0"/>
-              <a:t>12/10/2020</a:t>
+              <a:t>11/24/2021</a:t>
             </a:fld>
             <a:endParaRPr lang="en-US"/>
           </a:p>
@@ -8819,13 +8903,13 @@
               <a:t>Frank Walsh</a:t>
             </a:r>
             <a:r>
-              <a:rPr lang="en-US" dirty="0">
+              <a:rPr lang="en-US">
                 <a:solidFill>
                   <a:schemeClr val="accent1"/>
                 </a:solidFill>
                 <a:cs typeface="Calibri"/>
               </a:rPr>
-              <a:t>, 2020</a:t>
+              <a:t>, 2021</a:t>
             </a:r>
             <a:endParaRPr lang="en-US" sz="2400" dirty="0">
               <a:solidFill>
@@ -17254,13 +17338,21 @@
           <a:p>
             <a:r>
               <a:rPr lang="en-GB" dirty="0"/>
-              <a:t>In regular functions the this keyword represented the object that called the function</a:t>
-            </a:r>
-          </a:p>
-          <a:p>
+              <a:t>In regular functions the </a:t>
+            </a:r>
+            <a:r>
+              <a:rPr lang="en-GB" b="1" dirty="0"/>
+              <a:t>this</a:t>
+            </a:r>
             <a:r>
               <a:rPr lang="en-GB" dirty="0"/>
-              <a:t>With arrow (=&gt;) functions there are no binding of </a:t>
+              <a:t> keyword represented the object that called the function</a:t>
+            </a:r>
+          </a:p>
+          <a:p>
+            <a:r>
+              <a:rPr lang="en-GB" dirty="0"/>
+              <a:t>With arrow (=&gt;) functions, there are no binding of </a:t>
             </a:r>
             <a:r>
               <a:rPr lang="en-GB" b="1" dirty="0"/>
@@ -17336,8 +17428,8 @@
             <a:chExt cx="3514320" cy="1689120"/>
           </a:xfrm>
         </p:grpSpPr>
-        <mc:AlternateContent xmlns:mc="http://schemas.openxmlformats.org/markup-compatibility/2006">
-          <mc:Choice xmlns:p14="http://schemas.microsoft.com/office/powerpoint/2010/main" Requires="p14">
+        <mc:AlternateContent xmlns:mc="http://schemas.openxmlformats.org/markup-compatibility/2006" xmlns:p14="http://schemas.microsoft.com/office/powerpoint/2010/main">
+          <mc:Choice Requires="p14">
             <p:contentPart p14:bwMode="auto" r:id="rId3">
               <p14:nvContentPartPr>
                 <p14:cNvPr id="8" name="Ink 7">
@@ -17356,7 +17448,7 @@
               </p14:xfrm>
             </p:contentPart>
           </mc:Choice>
-          <mc:Fallback>
+          <mc:Fallback xmlns="">
             <p:pic>
               <p:nvPicPr>
                 <p:cNvPr id="8" name="Ink 7">
@@ -17387,8 +17479,8 @@
             </p:pic>
           </mc:Fallback>
         </mc:AlternateContent>
-        <mc:AlternateContent xmlns:mc="http://schemas.openxmlformats.org/markup-compatibility/2006">
-          <mc:Choice xmlns:p14="http://schemas.microsoft.com/office/powerpoint/2010/main" Requires="p14">
+        <mc:AlternateContent xmlns:mc="http://schemas.openxmlformats.org/markup-compatibility/2006" xmlns:p14="http://schemas.microsoft.com/office/powerpoint/2010/main">
+          <mc:Choice Requires="p14">
             <p:contentPart p14:bwMode="auto" r:id="rId5">
               <p14:nvContentPartPr>
                 <p14:cNvPr id="9" name="Ink 8">
@@ -17407,7 +17499,7 @@
               </p14:xfrm>
             </p:contentPart>
           </mc:Choice>
-          <mc:Fallback>
+          <mc:Fallback xmlns="">
             <p:pic>
               <p:nvPicPr>
                 <p:cNvPr id="9" name="Ink 8">
@@ -17438,8 +17530,8 @@
             </p:pic>
           </mc:Fallback>
         </mc:AlternateContent>
-        <mc:AlternateContent xmlns:mc="http://schemas.openxmlformats.org/markup-compatibility/2006">
-          <mc:Choice xmlns:p14="http://schemas.microsoft.com/office/powerpoint/2010/main" Requires="p14">
+        <mc:AlternateContent xmlns:mc="http://schemas.openxmlformats.org/markup-compatibility/2006" xmlns:p14="http://schemas.microsoft.com/office/powerpoint/2010/main">
+          <mc:Choice Requires="p14">
             <p:contentPart p14:bwMode="auto" r:id="rId7">
               <p14:nvContentPartPr>
                 <p14:cNvPr id="11" name="Ink 10">
@@ -17458,7 +17550,7 @@
               </p14:xfrm>
             </p:contentPart>
           </mc:Choice>
-          <mc:Fallback>
+          <mc:Fallback xmlns="">
             <p:pic>
               <p:nvPicPr>
                 <p:cNvPr id="11" name="Ink 10">
@@ -17489,8 +17581,8 @@
             </p:pic>
           </mc:Fallback>
         </mc:AlternateContent>
-        <mc:AlternateContent xmlns:mc="http://schemas.openxmlformats.org/markup-compatibility/2006">
-          <mc:Choice xmlns:p14="http://schemas.microsoft.com/office/powerpoint/2010/main" Requires="p14">
+        <mc:AlternateContent xmlns:mc="http://schemas.openxmlformats.org/markup-compatibility/2006" xmlns:p14="http://schemas.microsoft.com/office/powerpoint/2010/main">
+          <mc:Choice Requires="p14">
             <p:contentPart p14:bwMode="auto" r:id="rId9">
               <p14:nvContentPartPr>
                 <p14:cNvPr id="13" name="Ink 12">
@@ -17509,7 +17601,7 @@
               </p14:xfrm>
             </p:contentPart>
           </mc:Choice>
-          <mc:Fallback>
+          <mc:Fallback xmlns="">
             <p:pic>
               <p:nvPicPr>
                 <p:cNvPr id="13" name="Ink 12">
@@ -17591,8 +17683,8 @@
             <a:chExt cx="534960" cy="535320"/>
           </a:xfrm>
         </p:grpSpPr>
-        <mc:AlternateContent xmlns:mc="http://schemas.openxmlformats.org/markup-compatibility/2006">
-          <mc:Choice xmlns:p14="http://schemas.microsoft.com/office/powerpoint/2010/main" Requires="p14">
+        <mc:AlternateContent xmlns:mc="http://schemas.openxmlformats.org/markup-compatibility/2006" xmlns:p14="http://schemas.microsoft.com/office/powerpoint/2010/main">
+          <mc:Choice Requires="p14">
             <p:contentPart p14:bwMode="auto" r:id="rId12">
               <p14:nvContentPartPr>
                 <p14:cNvPr id="17" name="Ink 16">
@@ -17611,7 +17703,7 @@
               </p14:xfrm>
             </p:contentPart>
           </mc:Choice>
-          <mc:Fallback>
+          <mc:Fallback xmlns="">
             <p:pic>
               <p:nvPicPr>
                 <p:cNvPr id="17" name="Ink 16">
@@ -17642,8 +17734,8 @@
             </p:pic>
           </mc:Fallback>
         </mc:AlternateContent>
-        <mc:AlternateContent xmlns:mc="http://schemas.openxmlformats.org/markup-compatibility/2006">
-          <mc:Choice xmlns:p14="http://schemas.microsoft.com/office/powerpoint/2010/main" Requires="p14">
+        <mc:AlternateContent xmlns:mc="http://schemas.openxmlformats.org/markup-compatibility/2006" xmlns:p14="http://schemas.microsoft.com/office/powerpoint/2010/main">
+          <mc:Choice Requires="p14">
             <p:contentPart p14:bwMode="auto" r:id="rId14">
               <p14:nvContentPartPr>
                 <p14:cNvPr id="18" name="Ink 17">
@@ -17662,7 +17754,7 @@
               </p14:xfrm>
             </p:contentPart>
           </mc:Choice>
-          <mc:Fallback>
+          <mc:Fallback xmlns="">
             <p:pic>
               <p:nvPicPr>
                 <p:cNvPr id="18" name="Ink 17">
@@ -17694,8 +17786,8 @@
           </mc:Fallback>
         </mc:AlternateContent>
       </p:grpSp>
-      <mc:AlternateContent xmlns:mc="http://schemas.openxmlformats.org/markup-compatibility/2006">
-        <mc:Choice xmlns:p14="http://schemas.microsoft.com/office/powerpoint/2010/main" Requires="p14">
+      <mc:AlternateContent xmlns:mc="http://schemas.openxmlformats.org/markup-compatibility/2006" xmlns:p14="http://schemas.microsoft.com/office/powerpoint/2010/main">
+        <mc:Choice Requires="p14">
           <p:contentPart p14:bwMode="auto" r:id="rId16">
             <p14:nvContentPartPr>
               <p14:cNvPr id="20" name="Ink 19">
@@ -17714,7 +17806,7 @@
             </p14:xfrm>
           </p:contentPart>
         </mc:Choice>
-        <mc:Fallback>
+        <mc:Fallback xmlns="">
           <p:pic>
             <p:nvPicPr>
               <p:cNvPr id="20" name="Ink 19">
@@ -17765,8 +17857,8 @@
             <a:chExt cx="666720" cy="806760"/>
           </a:xfrm>
         </p:grpSpPr>
-        <mc:AlternateContent xmlns:mc="http://schemas.openxmlformats.org/markup-compatibility/2006">
-          <mc:Choice xmlns:p14="http://schemas.microsoft.com/office/powerpoint/2010/main" Requires="p14">
+        <mc:AlternateContent xmlns:mc="http://schemas.openxmlformats.org/markup-compatibility/2006" xmlns:p14="http://schemas.microsoft.com/office/powerpoint/2010/main">
+          <mc:Choice Requires="p14">
             <p:contentPart p14:bwMode="auto" r:id="rId18">
               <p14:nvContentPartPr>
                 <p14:cNvPr id="34" name="Ink 33">
@@ -17785,7 +17877,7 @@
               </p14:xfrm>
             </p:contentPart>
           </mc:Choice>
-          <mc:Fallback>
+          <mc:Fallback xmlns="">
             <p:pic>
               <p:nvPicPr>
                 <p:cNvPr id="34" name="Ink 33">
@@ -17816,8 +17908,8 @@
             </p:pic>
           </mc:Fallback>
         </mc:AlternateContent>
-        <mc:AlternateContent xmlns:mc="http://schemas.openxmlformats.org/markup-compatibility/2006">
-          <mc:Choice xmlns:p14="http://schemas.microsoft.com/office/powerpoint/2010/main" Requires="p14">
+        <mc:AlternateContent xmlns:mc="http://schemas.openxmlformats.org/markup-compatibility/2006" xmlns:p14="http://schemas.microsoft.com/office/powerpoint/2010/main">
+          <mc:Choice Requires="p14">
             <p:contentPart p14:bwMode="auto" r:id="rId20">
               <p14:nvContentPartPr>
                 <p14:cNvPr id="35" name="Ink 34">
@@ -17836,7 +17928,7 @@
               </p14:xfrm>
             </p:contentPart>
           </mc:Choice>
-          <mc:Fallback>
+          <mc:Fallback xmlns="">
             <p:pic>
               <p:nvPicPr>
                 <p:cNvPr id="35" name="Ink 34">
@@ -17867,8 +17959,8 @@
             </p:pic>
           </mc:Fallback>
         </mc:AlternateContent>
-        <mc:AlternateContent xmlns:mc="http://schemas.openxmlformats.org/markup-compatibility/2006">
-          <mc:Choice xmlns:p14="http://schemas.microsoft.com/office/powerpoint/2010/main" Requires="p14">
+        <mc:AlternateContent xmlns:mc="http://schemas.openxmlformats.org/markup-compatibility/2006" xmlns:p14="http://schemas.microsoft.com/office/powerpoint/2010/main">
+          <mc:Choice Requires="p14">
             <p:contentPart p14:bwMode="auto" r:id="rId22">
               <p14:nvContentPartPr>
                 <p14:cNvPr id="36" name="Ink 35">
@@ -17887,7 +17979,7 @@
               </p14:xfrm>
             </p:contentPart>
           </mc:Choice>
-          <mc:Fallback>
+          <mc:Fallback xmlns="">
             <p:pic>
               <p:nvPicPr>
                 <p:cNvPr id="36" name="Ink 35">
@@ -17918,8 +18010,8 @@
             </p:pic>
           </mc:Fallback>
         </mc:AlternateContent>
-        <mc:AlternateContent xmlns:mc="http://schemas.openxmlformats.org/markup-compatibility/2006">
-          <mc:Choice xmlns:p14="http://schemas.microsoft.com/office/powerpoint/2010/main" Requires="p14">
+        <mc:AlternateContent xmlns:mc="http://schemas.openxmlformats.org/markup-compatibility/2006" xmlns:p14="http://schemas.microsoft.com/office/powerpoint/2010/main">
+          <mc:Choice Requires="p14">
             <p:contentPart p14:bwMode="auto" r:id="rId24">
               <p14:nvContentPartPr>
                 <p14:cNvPr id="37" name="Ink 36">
@@ -17938,7 +18030,7 @@
               </p14:xfrm>
             </p:contentPart>
           </mc:Choice>
-          <mc:Fallback>
+          <mc:Fallback xmlns="">
             <p:pic>
               <p:nvPicPr>
                 <p:cNvPr id="37" name="Ink 36">
@@ -17969,8 +18061,8 @@
             </p:pic>
           </mc:Fallback>
         </mc:AlternateContent>
-        <mc:AlternateContent xmlns:mc="http://schemas.openxmlformats.org/markup-compatibility/2006">
-          <mc:Choice xmlns:p14="http://schemas.microsoft.com/office/powerpoint/2010/main" Requires="p14">
+        <mc:AlternateContent xmlns:mc="http://schemas.openxmlformats.org/markup-compatibility/2006" xmlns:p14="http://schemas.microsoft.com/office/powerpoint/2010/main">
+          <mc:Choice Requires="p14">
             <p:contentPart p14:bwMode="auto" r:id="rId26">
               <p14:nvContentPartPr>
                 <p14:cNvPr id="38" name="Ink 37">
@@ -17989,7 +18081,7 @@
               </p14:xfrm>
             </p:contentPart>
           </mc:Choice>
-          <mc:Fallback>
+          <mc:Fallback xmlns="">
             <p:pic>
               <p:nvPicPr>
                 <p:cNvPr id="38" name="Ink 37">
@@ -18020,8 +18112,8 @@
             </p:pic>
           </mc:Fallback>
         </mc:AlternateContent>
-        <mc:AlternateContent xmlns:mc="http://schemas.openxmlformats.org/markup-compatibility/2006">
-          <mc:Choice xmlns:p14="http://schemas.microsoft.com/office/powerpoint/2010/main" Requires="p14">
+        <mc:AlternateContent xmlns:mc="http://schemas.openxmlformats.org/markup-compatibility/2006" xmlns:p14="http://schemas.microsoft.com/office/powerpoint/2010/main">
+          <mc:Choice Requires="p14">
             <p:contentPart p14:bwMode="auto" r:id="rId28">
               <p14:nvContentPartPr>
                 <p14:cNvPr id="39" name="Ink 38">
@@ -18040,7 +18132,7 @@
               </p14:xfrm>
             </p:contentPart>
           </mc:Choice>
-          <mc:Fallback>
+          <mc:Fallback xmlns="">
             <p:pic>
               <p:nvPicPr>
                 <p:cNvPr id="39" name="Ink 38">
@@ -19426,10 +19518,10 @@
       </p:grpSpPr>
       <p:pic>
         <p:nvPicPr>
-          <p:cNvPr id="4" name="Picture 3">
+          <p:cNvPr id="8" name="Picture 7">
             <a:extLst>
               <a:ext uri="{FF2B5EF4-FFF2-40B4-BE49-F238E27FC236}">
-                <a16:creationId xmlns:a16="http://schemas.microsoft.com/office/drawing/2014/main" id="{297B0F57-71AB-4E24-BC7E-E32E21397E00}"/>
+                <a16:creationId xmlns:a16="http://schemas.microsoft.com/office/drawing/2014/main" id="{6D3E0D82-6502-4093-8B7D-1F2AC92F6610}"/>
               </a:ext>
             </a:extLst>
           </p:cNvPr>
@@ -19446,8 +19538,8 @@
         </p:blipFill>
         <p:spPr>
           <a:xfrm>
-            <a:off x="5565515" y="1096152"/>
-            <a:ext cx="5353050" cy="3676650"/>
+            <a:off x="5734209" y="1319807"/>
+            <a:ext cx="5743575" cy="3838575"/>
           </a:xfrm>
           <a:prstGeom prst="rect">
             <a:avLst/>
@@ -20374,10 +20466,10 @@
       </p:sp>
       <p:pic>
         <p:nvPicPr>
-          <p:cNvPr id="4" name="Picture 3">
+          <p:cNvPr id="6" name="Picture 5">
             <a:extLst>
               <a:ext uri="{FF2B5EF4-FFF2-40B4-BE49-F238E27FC236}">
-                <a16:creationId xmlns:a16="http://schemas.microsoft.com/office/drawing/2014/main" id="{A93591C6-5616-4D74-A08C-DA8D65AE58AD}"/>
+                <a16:creationId xmlns:a16="http://schemas.microsoft.com/office/drawing/2014/main" id="{E9D7B9CE-7311-427C-98A7-10471F40CBE3}"/>
               </a:ext>
             </a:extLst>
           </p:cNvPr>
@@ -20394,8 +20486,8 @@
         </p:blipFill>
         <p:spPr>
           <a:xfrm>
-            <a:off x="4876213" y="1162942"/>
-            <a:ext cx="7107382" cy="4532110"/>
+            <a:off x="5268011" y="1495422"/>
+            <a:ext cx="6257925" cy="3867150"/>
           </a:xfrm>
           <a:prstGeom prst="rect">
             <a:avLst/>
@@ -27489,10 +27581,10 @@
       </p:grpSpPr>
       <p:pic>
         <p:nvPicPr>
-          <p:cNvPr id="10" name="Picture 9">
+          <p:cNvPr id="11" name="Picture 10">
             <a:extLst>
               <a:ext uri="{FF2B5EF4-FFF2-40B4-BE49-F238E27FC236}">
-                <a16:creationId xmlns:a16="http://schemas.microsoft.com/office/drawing/2014/main" id="{19AF169F-800B-47C5-851B-A81F7A662DB9}"/>
+                <a16:creationId xmlns:a16="http://schemas.microsoft.com/office/drawing/2014/main" id="{440627DA-0411-44F5-9F0E-7BB19A9824E9}"/>
               </a:ext>
             </a:extLst>
           </p:cNvPr>
@@ -27502,15 +27594,15 @@
           <p:nvPr/>
         </p:nvPicPr>
         <p:blipFill>
-          <a:blip r:embed="rId2"/>
+          <a:blip r:embed="rId3"/>
           <a:stretch>
             <a:fillRect/>
           </a:stretch>
         </p:blipFill>
         <p:spPr>
           <a:xfrm>
-            <a:off x="838200" y="2970250"/>
-            <a:ext cx="6829425" cy="4733925"/>
+            <a:off x="887133" y="2660255"/>
+            <a:ext cx="4972050" cy="4029075"/>
           </a:xfrm>
           <a:prstGeom prst="rect">
             <a:avLst/>
@@ -27561,7 +27653,12 @@
             <p:ph idx="1"/>
           </p:nvPr>
         </p:nvSpPr>
-        <p:spPr/>
+        <p:spPr>
+          <a:xfrm>
+            <a:off x="613716" y="1469684"/>
+            <a:ext cx="10515600" cy="4351338"/>
+          </a:xfrm>
+        </p:spPr>
         <p:txBody>
           <a:bodyPr/>
           <a:lstStyle/>
@@ -27606,8 +27703,8 @@
         </p:nvSpPr>
         <p:spPr>
           <a:xfrm>
-            <a:off x="2450969" y="2537659"/>
-            <a:ext cx="1937966" cy="369332"/>
+            <a:off x="3000488" y="2290923"/>
+            <a:ext cx="2003241" cy="369332"/>
           </a:xfrm>
           <a:prstGeom prst="rect">
             <a:avLst/>
@@ -27621,15 +27718,15 @@
           <a:lstStyle/>
           <a:p>
             <a:r>
-              <a:rPr lang="en-IE" dirty="0"/>
+              <a:rPr lang="en-IE" b="1" dirty="0"/>
               <a:t>/</a:t>
             </a:r>
             <a:r>
-              <a:rPr lang="en-IE" dirty="0" err="1"/>
+              <a:rPr lang="en-IE" b="1" dirty="0" err="1"/>
               <a:t>api</a:t>
             </a:r>
             <a:r>
-              <a:rPr lang="en-IE" dirty="0"/>
+              <a:rPr lang="en-IE" b="1" dirty="0"/>
               <a:t>/users/index.js</a:t>
             </a:r>
           </a:p>
@@ -27715,8 +27812,8 @@
             <a:avLst>
               <a:gd name="adj1" fmla="val 18750"/>
               <a:gd name="adj2" fmla="val -8333"/>
-              <a:gd name="adj3" fmla="val 31028"/>
-              <a:gd name="adj4" fmla="val -66986"/>
+              <a:gd name="adj3" fmla="val 23952"/>
+              <a:gd name="adj4" fmla="val -75447"/>
             </a:avLst>
           </a:prstGeom>
           <a:ln>
@@ -27768,7 +27865,7 @@
           <p:nvPr/>
         </p:nvPicPr>
         <p:blipFill>
-          <a:blip r:embed="rId3"/>
+          <a:blip r:embed="rId4"/>
           <a:stretch>
             <a:fillRect/>
           </a:stretch>

--- a/topic10/talk-01/Authentication with JWT.pptx
+++ b/topic10/talk-01/Authentication with JWT.pptx
@@ -5,7 +5,7 @@
     <p:sldMasterId id="2147483660" r:id="rId1"/>
   </p:sldMasterIdLst>
   <p:notesMasterIdLst>
-    <p:notesMasterId r:id="rId44"/>
+    <p:notesMasterId r:id="rId37"/>
   </p:notesMasterIdLst>
   <p:sldIdLst>
     <p:sldId id="257" r:id="rId2"/>
@@ -42,14 +42,7 @@
     <p:sldId id="513" r:id="rId33"/>
     <p:sldId id="274" r:id="rId34"/>
     <p:sldId id="275" r:id="rId35"/>
-    <p:sldId id="277" r:id="rId36"/>
-    <p:sldId id="278" r:id="rId37"/>
-    <p:sldId id="280" r:id="rId38"/>
-    <p:sldId id="281" r:id="rId39"/>
-    <p:sldId id="282" r:id="rId40"/>
-    <p:sldId id="514" r:id="rId41"/>
-    <p:sldId id="283" r:id="rId42"/>
-    <p:sldId id="284" r:id="rId43"/>
+    <p:sldId id="284" r:id="rId36"/>
   </p:sldIdLst>
   <p:sldSz cx="12192000" cy="6858000"/>
   <p:notesSz cx="6858000" cy="9144000"/>
@@ -4439,7 +4432,7 @@
           <a:p>
             <a:fld id="{C9356069-4FA2-45C3-A84D-51090EC42BAD}" type="datetimeFigureOut">
               <a:rPr lang="en-IE" smtClean="0"/>
-              <a:t>24/11/2021</a:t>
+              <a:t>29/11/2021</a:t>
             </a:fld>
             <a:endParaRPr lang="en-IE"/>
           </a:p>
@@ -5612,174 +5605,6 @@
 </p:notes>
 </file>
 
-<file path=ppt/notesSlides/notesSlide7.xml><?xml version="1.0" encoding="utf-8"?>
-<p:notes xmlns:a="http://schemas.openxmlformats.org/drawingml/2006/main" xmlns:r="http://schemas.openxmlformats.org/officeDocument/2006/relationships" xmlns:p="http://schemas.openxmlformats.org/presentationml/2006/main">
-  <p:cSld>
-    <p:spTree>
-      <p:nvGrpSpPr>
-        <p:cNvPr id="1" name=""/>
-        <p:cNvGrpSpPr/>
-        <p:nvPr/>
-      </p:nvGrpSpPr>
-      <p:grpSpPr>
-        <a:xfrm>
-          <a:off x="0" y="0"/>
-          <a:ext cx="0" cy="0"/>
-          <a:chOff x="0" y="0"/>
-          <a:chExt cx="0" cy="0"/>
-        </a:xfrm>
-      </p:grpSpPr>
-      <p:sp>
-        <p:nvSpPr>
-          <p:cNvPr id="2" name="Slide Image Placeholder 1"/>
-          <p:cNvSpPr>
-            <a:spLocks noGrp="1" noRot="1" noChangeAspect="1"/>
-          </p:cNvSpPr>
-          <p:nvPr>
-            <p:ph type="sldImg"/>
-          </p:nvPr>
-        </p:nvSpPr>
-        <p:spPr/>
-      </p:sp>
-      <p:sp>
-        <p:nvSpPr>
-          <p:cNvPr id="3" name="Notes Placeholder 2"/>
-          <p:cNvSpPr>
-            <a:spLocks noGrp="1"/>
-          </p:cNvSpPr>
-          <p:nvPr>
-            <p:ph type="body" idx="1"/>
-          </p:nvPr>
-        </p:nvSpPr>
-        <p:spPr/>
-        <p:txBody>
-          <a:bodyPr/>
-          <a:lstStyle/>
-          <a:p>
-            <a:endParaRPr lang="en-IE" dirty="0"/>
-          </a:p>
-        </p:txBody>
-      </p:sp>
-      <p:sp>
-        <p:nvSpPr>
-          <p:cNvPr id="4" name="Slide Number Placeholder 3"/>
-          <p:cNvSpPr>
-            <a:spLocks noGrp="1"/>
-          </p:cNvSpPr>
-          <p:nvPr>
-            <p:ph type="sldNum" sz="quarter" idx="5"/>
-          </p:nvPr>
-        </p:nvSpPr>
-        <p:spPr/>
-        <p:txBody>
-          <a:bodyPr/>
-          <a:lstStyle/>
-          <a:p>
-            <a:fld id="{2F2E01AB-F487-4477-818E-7219F7E83442}" type="slidenum">
-              <a:rPr lang="en-IE" smtClean="0"/>
-              <a:t>36</a:t>
-            </a:fld>
-            <a:endParaRPr lang="en-IE"/>
-          </a:p>
-        </p:txBody>
-      </p:sp>
-    </p:spTree>
-    <p:extLst>
-      <p:ext uri="{BB962C8B-B14F-4D97-AF65-F5344CB8AC3E}">
-        <p14:creationId xmlns:p14="http://schemas.microsoft.com/office/powerpoint/2010/main" val="1660287786"/>
-      </p:ext>
-    </p:extLst>
-  </p:cSld>
-  <p:clrMapOvr>
-    <a:masterClrMapping/>
-  </p:clrMapOvr>
-</p:notes>
-</file>
-
-<file path=ppt/notesSlides/notesSlide8.xml><?xml version="1.0" encoding="utf-8"?>
-<p:notes xmlns:a="http://schemas.openxmlformats.org/drawingml/2006/main" xmlns:r="http://schemas.openxmlformats.org/officeDocument/2006/relationships" xmlns:p="http://schemas.openxmlformats.org/presentationml/2006/main">
-  <p:cSld>
-    <p:spTree>
-      <p:nvGrpSpPr>
-        <p:cNvPr id="1" name=""/>
-        <p:cNvGrpSpPr/>
-        <p:nvPr/>
-      </p:nvGrpSpPr>
-      <p:grpSpPr>
-        <a:xfrm>
-          <a:off x="0" y="0"/>
-          <a:ext cx="0" cy="0"/>
-          <a:chOff x="0" y="0"/>
-          <a:chExt cx="0" cy="0"/>
-        </a:xfrm>
-      </p:grpSpPr>
-      <p:sp>
-        <p:nvSpPr>
-          <p:cNvPr id="2" name="Slide Image Placeholder 1"/>
-          <p:cNvSpPr>
-            <a:spLocks noGrp="1" noRot="1" noChangeAspect="1"/>
-          </p:cNvSpPr>
-          <p:nvPr>
-            <p:ph type="sldImg"/>
-          </p:nvPr>
-        </p:nvSpPr>
-        <p:spPr/>
-      </p:sp>
-      <p:sp>
-        <p:nvSpPr>
-          <p:cNvPr id="3" name="Notes Placeholder 2"/>
-          <p:cNvSpPr>
-            <a:spLocks noGrp="1"/>
-          </p:cNvSpPr>
-          <p:nvPr>
-            <p:ph type="body" idx="1"/>
-          </p:nvPr>
-        </p:nvSpPr>
-        <p:spPr/>
-        <p:txBody>
-          <a:bodyPr/>
-          <a:lstStyle/>
-          <a:p>
-            <a:endParaRPr lang="en-IE" dirty="0"/>
-          </a:p>
-        </p:txBody>
-      </p:sp>
-      <p:sp>
-        <p:nvSpPr>
-          <p:cNvPr id="4" name="Slide Number Placeholder 3"/>
-          <p:cNvSpPr>
-            <a:spLocks noGrp="1"/>
-          </p:cNvSpPr>
-          <p:nvPr>
-            <p:ph type="sldNum" sz="quarter" idx="5"/>
-          </p:nvPr>
-        </p:nvSpPr>
-        <p:spPr/>
-        <p:txBody>
-          <a:bodyPr/>
-          <a:lstStyle/>
-          <a:p>
-            <a:fld id="{2F2E01AB-F487-4477-818E-7219F7E83442}" type="slidenum">
-              <a:rPr lang="en-IE" smtClean="0"/>
-              <a:t>41</a:t>
-            </a:fld>
-            <a:endParaRPr lang="en-IE"/>
-          </a:p>
-        </p:txBody>
-      </p:sp>
-    </p:spTree>
-    <p:extLst>
-      <p:ext uri="{BB962C8B-B14F-4D97-AF65-F5344CB8AC3E}">
-        <p14:creationId xmlns:p14="http://schemas.microsoft.com/office/powerpoint/2010/main" val="1465187135"/>
-      </p:ext>
-    </p:extLst>
-  </p:cSld>
-  <p:clrMapOvr>
-    <a:masterClrMapping/>
-  </p:clrMapOvr>
-</p:notes>
-</file>
-
 <file path=ppt/slideLayouts/slideLayout1.xml><?xml version="1.0" encoding="utf-8"?>
 <p:sldLayout xmlns:a="http://schemas.openxmlformats.org/drawingml/2006/main" xmlns:r="http://schemas.openxmlformats.org/officeDocument/2006/relationships" xmlns:p="http://schemas.openxmlformats.org/presentationml/2006/main" type="title" preserve="1">
   <p:cSld name="Title Slide">
@@ -5909,7 +5734,7 @@
           <a:p>
             <a:fld id="{846CE7D5-CF57-46EF-B807-FDD0502418D4}" type="datetimeFigureOut">
               <a:rPr lang="en-US" smtClean="0"/>
-              <a:t>11/24/2021</a:t>
+              <a:t>11/29/2021</a:t>
             </a:fld>
             <a:endParaRPr lang="en-US"/>
           </a:p>
@@ -6077,7 +5902,7 @@
           <a:p>
             <a:fld id="{846CE7D5-CF57-46EF-B807-FDD0502418D4}" type="datetimeFigureOut">
               <a:rPr lang="en-US" smtClean="0"/>
-              <a:t>11/24/2021</a:t>
+              <a:t>11/29/2021</a:t>
             </a:fld>
             <a:endParaRPr lang="en-US"/>
           </a:p>
@@ -6255,7 +6080,7 @@
           <a:p>
             <a:fld id="{846CE7D5-CF57-46EF-B807-FDD0502418D4}" type="datetimeFigureOut">
               <a:rPr lang="en-US" smtClean="0"/>
-              <a:t>11/24/2021</a:t>
+              <a:t>11/29/2021</a:t>
             </a:fld>
             <a:endParaRPr lang="en-US"/>
           </a:p>
@@ -6423,7 +6248,7 @@
           <a:p>
             <a:fld id="{846CE7D5-CF57-46EF-B807-FDD0502418D4}" type="datetimeFigureOut">
               <a:rPr lang="en-US" smtClean="0"/>
-              <a:t>11/24/2021</a:t>
+              <a:t>11/29/2021</a:t>
             </a:fld>
             <a:endParaRPr lang="en-US"/>
           </a:p>
@@ -6668,7 +6493,7 @@
           <a:p>
             <a:fld id="{846CE7D5-CF57-46EF-B807-FDD0502418D4}" type="datetimeFigureOut">
               <a:rPr lang="en-US" smtClean="0"/>
-              <a:t>11/24/2021</a:t>
+              <a:t>11/29/2021</a:t>
             </a:fld>
             <a:endParaRPr lang="en-US"/>
           </a:p>
@@ -6897,7 +6722,7 @@
           <a:p>
             <a:fld id="{846CE7D5-CF57-46EF-B807-FDD0502418D4}" type="datetimeFigureOut">
               <a:rPr lang="en-US" smtClean="0"/>
-              <a:t>11/24/2021</a:t>
+              <a:t>11/29/2021</a:t>
             </a:fld>
             <a:endParaRPr lang="en-US"/>
           </a:p>
@@ -7261,7 +7086,7 @@
           <a:p>
             <a:fld id="{846CE7D5-CF57-46EF-B807-FDD0502418D4}" type="datetimeFigureOut">
               <a:rPr lang="en-US" smtClean="0"/>
-              <a:t>11/24/2021</a:t>
+              <a:t>11/29/2021</a:t>
             </a:fld>
             <a:endParaRPr lang="en-US"/>
           </a:p>
@@ -7378,7 +7203,7 @@
           <a:p>
             <a:fld id="{846CE7D5-CF57-46EF-B807-FDD0502418D4}" type="datetimeFigureOut">
               <a:rPr lang="en-US" smtClean="0"/>
-              <a:t>11/24/2021</a:t>
+              <a:t>11/29/2021</a:t>
             </a:fld>
             <a:endParaRPr lang="en-US"/>
           </a:p>
@@ -7473,7 +7298,7 @@
           <a:p>
             <a:fld id="{846CE7D5-CF57-46EF-B807-FDD0502418D4}" type="datetimeFigureOut">
               <a:rPr lang="en-US" smtClean="0"/>
-              <a:t>11/24/2021</a:t>
+              <a:t>11/29/2021</a:t>
             </a:fld>
             <a:endParaRPr lang="en-US"/>
           </a:p>
@@ -7748,7 +7573,7 @@
           <a:p>
             <a:fld id="{846CE7D5-CF57-46EF-B807-FDD0502418D4}" type="datetimeFigureOut">
               <a:rPr lang="en-US" smtClean="0"/>
-              <a:t>11/24/2021</a:t>
+              <a:t>11/29/2021</a:t>
             </a:fld>
             <a:endParaRPr lang="en-US"/>
           </a:p>
@@ -8003,7 +7828,7 @@
           <a:p>
             <a:fld id="{846CE7D5-CF57-46EF-B807-FDD0502418D4}" type="datetimeFigureOut">
               <a:rPr lang="en-US" smtClean="0"/>
-              <a:t>11/24/2021</a:t>
+              <a:t>11/29/2021</a:t>
             </a:fld>
             <a:endParaRPr lang="en-US"/>
           </a:p>
@@ -8214,7 +8039,7 @@
           <a:p>
             <a:fld id="{846CE7D5-CF57-46EF-B807-FDD0502418D4}" type="datetimeFigureOut">
               <a:rPr lang="en-US" smtClean="0"/>
-              <a:t>11/24/2021</a:t>
+              <a:t>11/29/2021</a:t>
             </a:fld>
             <a:endParaRPr lang="en-US"/>
           </a:p>
@@ -22261,3191 +22086,6 @@
           <p:cNvPr id="2" name="Title 1">
             <a:extLst>
               <a:ext uri="{FF2B5EF4-FFF2-40B4-BE49-F238E27FC236}">
-                <a16:creationId xmlns:a16="http://schemas.microsoft.com/office/drawing/2014/main" id="{6D34AA12-6932-4CE3-A038-FB32F3745835}"/>
-              </a:ext>
-            </a:extLst>
-          </p:cNvPr>
-          <p:cNvSpPr>
-            <a:spLocks noGrp="1"/>
-          </p:cNvSpPr>
-          <p:nvPr>
-            <p:ph type="title"/>
-          </p:nvPr>
-        </p:nvSpPr>
-        <p:spPr/>
-        <p:txBody>
-          <a:bodyPr/>
-          <a:lstStyle/>
-          <a:p>
-            <a:r>
-              <a:rPr lang="en-US" dirty="0">
-                <a:cs typeface="Calibri Light"/>
-              </a:rPr>
-              <a:t>React Apps and JWT</a:t>
-            </a:r>
-            <a:endParaRPr lang="en-US" dirty="0"/>
-          </a:p>
-        </p:txBody>
-      </p:sp>
-      <p:sp>
-        <p:nvSpPr>
-          <p:cNvPr id="3" name="Text Placeholder 2">
-            <a:extLst>
-              <a:ext uri="{FF2B5EF4-FFF2-40B4-BE49-F238E27FC236}">
-                <a16:creationId xmlns:a16="http://schemas.microsoft.com/office/drawing/2014/main" id="{16F928F7-7464-4680-9447-DAEDCAE2BB29}"/>
-              </a:ext>
-            </a:extLst>
-          </p:cNvPr>
-          <p:cNvSpPr>
-            <a:spLocks noGrp="1"/>
-          </p:cNvSpPr>
-          <p:nvPr>
-            <p:ph type="body" idx="1"/>
-          </p:nvPr>
-        </p:nvSpPr>
-        <p:spPr/>
-        <p:txBody>
-          <a:bodyPr/>
-          <a:lstStyle/>
-          <a:p>
-            <a:endParaRPr lang="en-US"/>
-          </a:p>
-        </p:txBody>
-      </p:sp>
-    </p:spTree>
-    <p:extLst>
-      <p:ext uri="{BB962C8B-B14F-4D97-AF65-F5344CB8AC3E}">
-        <p14:creationId xmlns:p14="http://schemas.microsoft.com/office/powerpoint/2010/main" val="807296567"/>
-      </p:ext>
-    </p:extLst>
-  </p:cSld>
-  <p:clrMapOvr>
-    <a:masterClrMapping/>
-  </p:clrMapOvr>
-</p:sld>
-</file>
-
-<file path=ppt/slides/slide36.xml><?xml version="1.0" encoding="utf-8"?>
-<p:sld xmlns:a="http://schemas.openxmlformats.org/drawingml/2006/main" xmlns:r="http://schemas.openxmlformats.org/officeDocument/2006/relationships" xmlns:p="http://schemas.openxmlformats.org/presentationml/2006/main">
-  <p:cSld>
-    <p:bg>
-      <p:bgPr>
-        <a:solidFill>
-          <a:schemeClr val="bg1"/>
-        </a:solidFill>
-        <a:effectLst/>
-      </p:bgPr>
-    </p:bg>
-    <p:spTree>
-      <p:nvGrpSpPr>
-        <p:cNvPr id="1" name=""/>
-        <p:cNvGrpSpPr/>
-        <p:nvPr/>
-      </p:nvGrpSpPr>
-      <p:grpSpPr>
-        <a:xfrm>
-          <a:off x="0" y="0"/>
-          <a:ext cx="0" cy="0"/>
-          <a:chOff x="0" y="0"/>
-          <a:chExt cx="0" cy="0"/>
-        </a:xfrm>
-      </p:grpSpPr>
-      <p:sp>
-        <p:nvSpPr>
-          <p:cNvPr id="14" name="Rectangle 8">
-            <a:extLst>
-              <a:ext uri="{FF2B5EF4-FFF2-40B4-BE49-F238E27FC236}">
-                <a16:creationId xmlns:a16="http://schemas.microsoft.com/office/drawing/2014/main" id="{867D4867-5BA7-4462-B2F6-A23F4A622AA7}"/>
-              </a:ext>
-            </a:extLst>
-          </p:cNvPr>
-          <p:cNvSpPr>
-            <a:spLocks noGrp="1" noRot="1" noChangeAspect="1" noMove="1" noResize="1" noEditPoints="1" noAdjustHandles="1" noChangeArrowheads="1" noChangeShapeType="1" noTextEdit="1"/>
-          </p:cNvSpPr>
-          <p:nvPr>
-            <p:extLst>
-              <p:ext uri="{386F3935-93C4-4BCD-93E2-E3B085C9AB24}">
-                <p16:designElem xmlns:p16="http://schemas.microsoft.com/office/powerpoint/2015/main" val="1"/>
-              </p:ext>
-            </p:extLst>
-          </p:nvPr>
-        </p:nvSpPr>
-        <p:spPr>
-          <a:xfrm>
-            <a:off x="0" y="0"/>
-            <a:ext cx="4654296" cy="6858000"/>
-          </a:xfrm>
-          <a:prstGeom prst="rect">
-            <a:avLst/>
-          </a:prstGeom>
-          <a:solidFill>
-            <a:schemeClr val="tx1">
-              <a:lumMod val="75000"/>
-              <a:lumOff val="25000"/>
-            </a:schemeClr>
-          </a:solidFill>
-          <a:ln>
-            <a:noFill/>
-          </a:ln>
-        </p:spPr>
-        <p:style>
-          <a:lnRef idx="0">
-            <a:scrgbClr r="0" g="0" b="0"/>
-          </a:lnRef>
-          <a:fillRef idx="0">
-            <a:scrgbClr r="0" g="0" b="0"/>
-          </a:fillRef>
-          <a:effectRef idx="0">
-            <a:scrgbClr r="0" g="0" b="0"/>
-          </a:effectRef>
-          <a:fontRef idx="minor">
-            <a:schemeClr val="lt1"/>
-          </a:fontRef>
-        </p:style>
-        <p:txBody>
-          <a:bodyPr rtlCol="0" anchor="ctr"/>
-          <a:lstStyle/>
-          <a:p>
-            <a:pPr algn="ctr"/>
-            <a:endParaRPr lang="en-US"/>
-          </a:p>
-        </p:txBody>
-      </p:sp>
-      <p:sp>
-        <p:nvSpPr>
-          <p:cNvPr id="2" name="Title 1">
-            <a:extLst>
-              <a:ext uri="{FF2B5EF4-FFF2-40B4-BE49-F238E27FC236}">
-                <a16:creationId xmlns:a16="http://schemas.microsoft.com/office/drawing/2014/main" id="{11FA812C-2D00-4BE0-8C48-79D8C06EE0F4}"/>
-              </a:ext>
-            </a:extLst>
-          </p:cNvPr>
-          <p:cNvSpPr>
-            <a:spLocks noGrp="1"/>
-          </p:cNvSpPr>
-          <p:nvPr>
-            <p:ph type="title"/>
-          </p:nvPr>
-        </p:nvSpPr>
-        <p:spPr>
-          <a:xfrm>
-            <a:off x="535353" y="716817"/>
-            <a:ext cx="3363974" cy="1597315"/>
-          </a:xfrm>
-          <a:noFill/>
-          <a:ln w="19050">
-            <a:solidFill>
-              <a:schemeClr val="bg1"/>
-            </a:solidFill>
-          </a:ln>
-        </p:spPr>
-        <p:txBody>
-          <a:bodyPr wrap="square">
-            <a:normAutofit/>
-          </a:bodyPr>
-          <a:lstStyle/>
-          <a:p>
-            <a:pPr algn="ctr"/>
-            <a:r>
-              <a:rPr lang="en-US" sz="2800" dirty="0" err="1">
-                <a:solidFill>
-                  <a:schemeClr val="bg1"/>
-                </a:solidFill>
-                <a:cs typeface="Calibri Light"/>
-              </a:rPr>
-              <a:t>MovieDB</a:t>
-            </a:r>
-            <a:r>
-              <a:rPr lang="en-US" sz="2800" dirty="0">
-                <a:solidFill>
-                  <a:schemeClr val="bg1"/>
-                </a:solidFill>
-                <a:cs typeface="Calibri Light"/>
-              </a:rPr>
-              <a:t> App</a:t>
-            </a:r>
-            <a:endParaRPr lang="en-US" sz="2800" dirty="0">
-              <a:solidFill>
-                <a:schemeClr val="bg1"/>
-              </a:solidFill>
-            </a:endParaRPr>
-          </a:p>
-        </p:txBody>
-      </p:sp>
-      <p:sp>
-        <p:nvSpPr>
-          <p:cNvPr id="3" name="Content Placeholder 2">
-            <a:extLst>
-              <a:ext uri="{FF2B5EF4-FFF2-40B4-BE49-F238E27FC236}">
-                <a16:creationId xmlns:a16="http://schemas.microsoft.com/office/drawing/2014/main" id="{67A0CE4F-60D7-42D3-8C83-69223CB3270D}"/>
-              </a:ext>
-            </a:extLst>
-          </p:cNvPr>
-          <p:cNvSpPr>
-            <a:spLocks noGrp="1"/>
-          </p:cNvSpPr>
-          <p:nvPr>
-            <p:ph idx="1"/>
-          </p:nvPr>
-        </p:nvSpPr>
-        <p:spPr>
-          <a:xfrm>
-            <a:off x="643468" y="2638044"/>
-            <a:ext cx="3363974" cy="3415622"/>
-          </a:xfrm>
-        </p:spPr>
-        <p:txBody>
-          <a:bodyPr vert="horz" lIns="91440" tIns="45720" rIns="91440" bIns="45720" rtlCol="0">
-            <a:normAutofit/>
-          </a:bodyPr>
-          <a:lstStyle/>
-          <a:p>
-            <a:r>
-              <a:rPr lang="en-US" sz="2000" dirty="0">
-                <a:solidFill>
-                  <a:schemeClr val="bg1"/>
-                </a:solidFill>
-                <a:cs typeface="Calibri"/>
-              </a:rPr>
-              <a:t>We want to:</a:t>
-            </a:r>
-          </a:p>
-          <a:p>
-            <a:pPr lvl="1"/>
-            <a:r>
-              <a:rPr lang="en-US" sz="2000" dirty="0">
-                <a:solidFill>
-                  <a:schemeClr val="bg1"/>
-                </a:solidFill>
-                <a:cs typeface="Calibri"/>
-              </a:rPr>
-              <a:t>Replace with calls to </a:t>
-            </a:r>
-            <a:r>
-              <a:rPr lang="en-US" sz="2000" dirty="0" err="1">
-                <a:solidFill>
-                  <a:schemeClr val="bg1"/>
-                </a:solidFill>
-                <a:cs typeface="Calibri"/>
-              </a:rPr>
-              <a:t>MovieDB</a:t>
-            </a:r>
-            <a:r>
-              <a:rPr lang="en-US" sz="2000" dirty="0">
-                <a:solidFill>
-                  <a:schemeClr val="bg1"/>
-                </a:solidFill>
-                <a:cs typeface="Calibri"/>
-              </a:rPr>
-              <a:t> API</a:t>
-            </a:r>
-          </a:p>
-          <a:p>
-            <a:pPr lvl="1"/>
-            <a:r>
-              <a:rPr lang="en-US" sz="2000" dirty="0">
-                <a:solidFill>
-                  <a:schemeClr val="bg1"/>
-                </a:solidFill>
-                <a:cs typeface="Calibri"/>
-              </a:rPr>
-              <a:t>Provide login/</a:t>
-            </a:r>
-            <a:r>
-              <a:rPr lang="en-US" sz="2000" dirty="0" err="1">
-                <a:solidFill>
-                  <a:schemeClr val="bg1"/>
-                </a:solidFill>
-                <a:cs typeface="Calibri"/>
-              </a:rPr>
-              <a:t>signin</a:t>
-            </a:r>
-            <a:r>
-              <a:rPr lang="en-US" sz="2000" dirty="0">
-                <a:solidFill>
-                  <a:schemeClr val="bg1"/>
-                </a:solidFill>
-                <a:cs typeface="Calibri"/>
-              </a:rPr>
-              <a:t> capabilities.</a:t>
-            </a:r>
-          </a:p>
-          <a:p>
-            <a:pPr lvl="1"/>
-            <a:r>
-              <a:rPr lang="en-US" sz="2000" dirty="0">
-                <a:solidFill>
-                  <a:schemeClr val="bg1"/>
-                </a:solidFill>
-                <a:cs typeface="Calibri"/>
-              </a:rPr>
-              <a:t>Only allow signed in users to see Movies and add stuff</a:t>
-            </a:r>
-          </a:p>
-        </p:txBody>
-      </p:sp>
-      <p:pic>
-        <p:nvPicPr>
-          <p:cNvPr id="7" name="Picture 6">
-            <a:extLst>
-              <a:ext uri="{FF2B5EF4-FFF2-40B4-BE49-F238E27FC236}">
-                <a16:creationId xmlns:a16="http://schemas.microsoft.com/office/drawing/2014/main" id="{12D1DD3F-DA30-4C98-9D42-DED706C5EBE2}"/>
-              </a:ext>
-            </a:extLst>
-          </p:cNvPr>
-          <p:cNvPicPr>
-            <a:picLocks noChangeAspect="1"/>
-          </p:cNvPicPr>
-          <p:nvPr/>
-        </p:nvPicPr>
-        <p:blipFill rotWithShape="1">
-          <a:blip r:embed="rId3"/>
-          <a:srcRect b="24591"/>
-          <a:stretch/>
-        </p:blipFill>
-        <p:spPr>
-          <a:xfrm>
-            <a:off x="4933146" y="1439389"/>
-            <a:ext cx="6515100" cy="3979222"/>
-          </a:xfrm>
-          <a:prstGeom prst="rect">
-            <a:avLst/>
-          </a:prstGeom>
-        </p:spPr>
-      </p:pic>
-    </p:spTree>
-    <p:extLst>
-      <p:ext uri="{BB962C8B-B14F-4D97-AF65-F5344CB8AC3E}">
-        <p14:creationId xmlns:p14="http://schemas.microsoft.com/office/powerpoint/2010/main" val="2809078385"/>
-      </p:ext>
-    </p:extLst>
-  </p:cSld>
-  <p:clrMapOvr>
-    <a:masterClrMapping/>
-  </p:clrMapOvr>
-  <p:timing>
-    <p:tnLst>
-      <p:par>
-        <p:cTn id="1" dur="indefinite" restart="never" nodeType="tmRoot">
-          <p:childTnLst>
-            <p:seq concurrent="1" nextAc="seek">
-              <p:cTn id="2" dur="indefinite" nodeType="mainSeq">
-                <p:childTnLst>
-                  <p:par>
-                    <p:cTn id="3" fill="hold">
-                      <p:stCondLst>
-                        <p:cond delay="indefinite"/>
-                      </p:stCondLst>
-                      <p:childTnLst>
-                        <p:par>
-                          <p:cTn id="4" fill="hold">
-                            <p:stCondLst>
-                              <p:cond delay="0"/>
-                            </p:stCondLst>
-                            <p:childTnLst>
-                              <p:par>
-                                <p:cTn id="5" presetID="10" presetClass="entr" presetSubtype="0" fill="hold" nodeType="clickEffect">
-                                  <p:stCondLst>
-                                    <p:cond delay="0"/>
-                                  </p:stCondLst>
-                                  <p:childTnLst>
-                                    <p:set>
-                                      <p:cBhvr>
-                                        <p:cTn id="6" dur="1" fill="hold">
-                                          <p:stCondLst>
-                                            <p:cond delay="0"/>
-                                          </p:stCondLst>
-                                        </p:cTn>
-                                        <p:tgtEl>
-                                          <p:spTgt spid="3">
-                                            <p:txEl>
-                                              <p:pRg st="0" end="0"/>
-                                            </p:txEl>
-                                          </p:spTgt>
-                                        </p:tgtEl>
-                                        <p:attrNameLst>
-                                          <p:attrName>style.visibility</p:attrName>
-                                        </p:attrNameLst>
-                                      </p:cBhvr>
-                                      <p:to>
-                                        <p:strVal val="visible"/>
-                                      </p:to>
-                                    </p:set>
-                                    <p:animEffect transition="in" filter="fade">
-                                      <p:cBhvr>
-                                        <p:cTn id="7" dur="500"/>
-                                        <p:tgtEl>
-                                          <p:spTgt spid="3">
-                                            <p:txEl>
-                                              <p:pRg st="0" end="0"/>
-                                            </p:txEl>
-                                          </p:spTgt>
-                                        </p:tgtEl>
-                                      </p:cBhvr>
-                                    </p:animEffect>
-                                  </p:childTnLst>
-                                </p:cTn>
-                              </p:par>
-                            </p:childTnLst>
-                          </p:cTn>
-                        </p:par>
-                      </p:childTnLst>
-                    </p:cTn>
-                  </p:par>
-                  <p:par>
-                    <p:cTn id="8" fill="hold">
-                      <p:stCondLst>
-                        <p:cond delay="indefinite"/>
-                      </p:stCondLst>
-                      <p:childTnLst>
-                        <p:par>
-                          <p:cTn id="9" fill="hold">
-                            <p:stCondLst>
-                              <p:cond delay="0"/>
-                            </p:stCondLst>
-                            <p:childTnLst>
-                              <p:par>
-                                <p:cTn id="10" presetID="10" presetClass="entr" presetSubtype="0" fill="hold" nodeType="clickEffect">
-                                  <p:stCondLst>
-                                    <p:cond delay="0"/>
-                                  </p:stCondLst>
-                                  <p:childTnLst>
-                                    <p:set>
-                                      <p:cBhvr>
-                                        <p:cTn id="11" dur="1" fill="hold">
-                                          <p:stCondLst>
-                                            <p:cond delay="0"/>
-                                          </p:stCondLst>
-                                        </p:cTn>
-                                        <p:tgtEl>
-                                          <p:spTgt spid="3">
-                                            <p:txEl>
-                                              <p:pRg st="1" end="1"/>
-                                            </p:txEl>
-                                          </p:spTgt>
-                                        </p:tgtEl>
-                                        <p:attrNameLst>
-                                          <p:attrName>style.visibility</p:attrName>
-                                        </p:attrNameLst>
-                                      </p:cBhvr>
-                                      <p:to>
-                                        <p:strVal val="visible"/>
-                                      </p:to>
-                                    </p:set>
-                                    <p:animEffect transition="in" filter="fade">
-                                      <p:cBhvr>
-                                        <p:cTn id="12" dur="500"/>
-                                        <p:tgtEl>
-                                          <p:spTgt spid="3">
-                                            <p:txEl>
-                                              <p:pRg st="1" end="1"/>
-                                            </p:txEl>
-                                          </p:spTgt>
-                                        </p:tgtEl>
-                                      </p:cBhvr>
-                                    </p:animEffect>
-                                  </p:childTnLst>
-                                </p:cTn>
-                              </p:par>
-                            </p:childTnLst>
-                          </p:cTn>
-                        </p:par>
-                      </p:childTnLst>
-                    </p:cTn>
-                  </p:par>
-                  <p:par>
-                    <p:cTn id="13" fill="hold">
-                      <p:stCondLst>
-                        <p:cond delay="indefinite"/>
-                      </p:stCondLst>
-                      <p:childTnLst>
-                        <p:par>
-                          <p:cTn id="14" fill="hold">
-                            <p:stCondLst>
-                              <p:cond delay="0"/>
-                            </p:stCondLst>
-                            <p:childTnLst>
-                              <p:par>
-                                <p:cTn id="15" presetID="10" presetClass="entr" presetSubtype="0" fill="hold" nodeType="clickEffect">
-                                  <p:stCondLst>
-                                    <p:cond delay="0"/>
-                                  </p:stCondLst>
-                                  <p:childTnLst>
-                                    <p:set>
-                                      <p:cBhvr>
-                                        <p:cTn id="16" dur="1" fill="hold">
-                                          <p:stCondLst>
-                                            <p:cond delay="0"/>
-                                          </p:stCondLst>
-                                        </p:cTn>
-                                        <p:tgtEl>
-                                          <p:spTgt spid="3">
-                                            <p:txEl>
-                                              <p:pRg st="2" end="2"/>
-                                            </p:txEl>
-                                          </p:spTgt>
-                                        </p:tgtEl>
-                                        <p:attrNameLst>
-                                          <p:attrName>style.visibility</p:attrName>
-                                        </p:attrNameLst>
-                                      </p:cBhvr>
-                                      <p:to>
-                                        <p:strVal val="visible"/>
-                                      </p:to>
-                                    </p:set>
-                                    <p:animEffect transition="in" filter="fade">
-                                      <p:cBhvr>
-                                        <p:cTn id="17" dur="500"/>
-                                        <p:tgtEl>
-                                          <p:spTgt spid="3">
-                                            <p:txEl>
-                                              <p:pRg st="2" end="2"/>
-                                            </p:txEl>
-                                          </p:spTgt>
-                                        </p:tgtEl>
-                                      </p:cBhvr>
-                                    </p:animEffect>
-                                  </p:childTnLst>
-                                </p:cTn>
-                              </p:par>
-                            </p:childTnLst>
-                          </p:cTn>
-                        </p:par>
-                      </p:childTnLst>
-                    </p:cTn>
-                  </p:par>
-                  <p:par>
-                    <p:cTn id="18" fill="hold">
-                      <p:stCondLst>
-                        <p:cond delay="indefinite"/>
-                      </p:stCondLst>
-                      <p:childTnLst>
-                        <p:par>
-                          <p:cTn id="19" fill="hold">
-                            <p:stCondLst>
-                              <p:cond delay="0"/>
-                            </p:stCondLst>
-                            <p:childTnLst>
-                              <p:par>
-                                <p:cTn id="20" presetID="10" presetClass="entr" presetSubtype="0" fill="hold" nodeType="clickEffect">
-                                  <p:stCondLst>
-                                    <p:cond delay="0"/>
-                                  </p:stCondLst>
-                                  <p:childTnLst>
-                                    <p:set>
-                                      <p:cBhvr>
-                                        <p:cTn id="21" dur="1" fill="hold">
-                                          <p:stCondLst>
-                                            <p:cond delay="0"/>
-                                          </p:stCondLst>
-                                        </p:cTn>
-                                        <p:tgtEl>
-                                          <p:spTgt spid="3">
-                                            <p:txEl>
-                                              <p:pRg st="3" end="3"/>
-                                            </p:txEl>
-                                          </p:spTgt>
-                                        </p:tgtEl>
-                                        <p:attrNameLst>
-                                          <p:attrName>style.visibility</p:attrName>
-                                        </p:attrNameLst>
-                                      </p:cBhvr>
-                                      <p:to>
-                                        <p:strVal val="visible"/>
-                                      </p:to>
-                                    </p:set>
-                                    <p:animEffect transition="in" filter="fade">
-                                      <p:cBhvr>
-                                        <p:cTn id="22" dur="500"/>
-                                        <p:tgtEl>
-                                          <p:spTgt spid="3">
-                                            <p:txEl>
-                                              <p:pRg st="3" end="3"/>
-                                            </p:txEl>
-                                          </p:spTgt>
-                                        </p:tgtEl>
-                                      </p:cBhvr>
-                                    </p:animEffect>
-                                  </p:childTnLst>
-                                </p:cTn>
-                              </p:par>
-                            </p:childTnLst>
-                          </p:cTn>
-                        </p:par>
-                      </p:childTnLst>
-                    </p:cTn>
-                  </p:par>
-                </p:childTnLst>
-              </p:cTn>
-              <p:prevCondLst>
-                <p:cond evt="onPrev" delay="0">
-                  <p:tgtEl>
-                    <p:sldTgt/>
-                  </p:tgtEl>
-                </p:cond>
-              </p:prevCondLst>
-              <p:nextCondLst>
-                <p:cond evt="onNext" delay="0">
-                  <p:tgtEl>
-                    <p:sldTgt/>
-                  </p:tgtEl>
-                </p:cond>
-              </p:nextCondLst>
-            </p:seq>
-          </p:childTnLst>
-        </p:cTn>
-      </p:par>
-    </p:tnLst>
-  </p:timing>
-</p:sld>
-</file>
-
-<file path=ppt/slides/slide37.xml><?xml version="1.0" encoding="utf-8"?>
-<p:sld xmlns:a="http://schemas.openxmlformats.org/drawingml/2006/main" xmlns:r="http://schemas.openxmlformats.org/officeDocument/2006/relationships" xmlns:p="http://schemas.openxmlformats.org/presentationml/2006/main">
-  <p:cSld>
-    <p:spTree>
-      <p:nvGrpSpPr>
-        <p:cNvPr id="1" name=""/>
-        <p:cNvGrpSpPr/>
-        <p:nvPr/>
-      </p:nvGrpSpPr>
-      <p:grpSpPr>
-        <a:xfrm>
-          <a:off x="0" y="0"/>
-          <a:ext cx="0" cy="0"/>
-          <a:chOff x="0" y="0"/>
-          <a:chExt cx="0" cy="0"/>
-        </a:xfrm>
-      </p:grpSpPr>
-      <p:sp>
-        <p:nvSpPr>
-          <p:cNvPr id="2" name="Title 1">
-            <a:extLst>
-              <a:ext uri="{FF2B5EF4-FFF2-40B4-BE49-F238E27FC236}">
-                <a16:creationId xmlns:a16="http://schemas.microsoft.com/office/drawing/2014/main" id="{F3662C51-0735-4C5A-8632-2BCB5617309F}"/>
-              </a:ext>
-            </a:extLst>
-          </p:cNvPr>
-          <p:cNvSpPr>
-            <a:spLocks noGrp="1"/>
-          </p:cNvSpPr>
-          <p:nvPr>
-            <p:ph type="title"/>
-          </p:nvPr>
-        </p:nvSpPr>
-        <p:spPr/>
-        <p:txBody>
-          <a:bodyPr/>
-          <a:lstStyle/>
-          <a:p>
-            <a:r>
-              <a:rPr lang="en-US">
-                <a:cs typeface="Calibri Light"/>
-              </a:rPr>
-              <a:t>Proposed Architecture</a:t>
-            </a:r>
-            <a:endParaRPr lang="en-US" dirty="0"/>
-          </a:p>
-        </p:txBody>
-      </p:sp>
-      <p:sp>
-        <p:nvSpPr>
-          <p:cNvPr id="3" name="Content Placeholder 2">
-            <a:extLst>
-              <a:ext uri="{FF2B5EF4-FFF2-40B4-BE49-F238E27FC236}">
-                <a16:creationId xmlns:a16="http://schemas.microsoft.com/office/drawing/2014/main" id="{1392A760-247B-45E9-B88D-68FB3FFB129E}"/>
-              </a:ext>
-            </a:extLst>
-          </p:cNvPr>
-          <p:cNvSpPr>
-            <a:spLocks noGrp="1"/>
-          </p:cNvSpPr>
-          <p:nvPr>
-            <p:ph idx="1"/>
-          </p:nvPr>
-        </p:nvSpPr>
-        <p:spPr/>
-        <p:txBody>
-          <a:bodyPr vert="horz" lIns="91440" tIns="45720" rIns="91440" bIns="45720" rtlCol="0" anchor="t">
-            <a:normAutofit/>
-          </a:bodyPr>
-          <a:lstStyle/>
-          <a:p>
-            <a:r>
-              <a:rPr lang="en-US" dirty="0">
-                <a:cs typeface="Calibri"/>
-              </a:rPr>
-              <a:t>Create-React-app uses Webpack development server.</a:t>
-            </a:r>
-          </a:p>
-          <a:p>
-            <a:r>
-              <a:rPr lang="en-US" dirty="0" err="1">
-                <a:cs typeface="Calibri"/>
-              </a:rPr>
-              <a:t>MovieDB</a:t>
-            </a:r>
-            <a:r>
-              <a:rPr lang="en-US" dirty="0">
-                <a:cs typeface="Calibri"/>
-              </a:rPr>
-              <a:t> API is an Express.js app.</a:t>
-            </a:r>
-          </a:p>
-          <a:p>
-            <a:r>
-              <a:rPr lang="en-US" dirty="0">
-                <a:cs typeface="Calibri"/>
-              </a:rPr>
-              <a:t>Configure Webpack server to "proxy" any unknown requests to Express app</a:t>
-            </a:r>
-          </a:p>
-          <a:p>
-            <a:pPr lvl="1"/>
-            <a:r>
-              <a:rPr lang="en-US" dirty="0">
-                <a:cs typeface="Calibri"/>
-              </a:rPr>
-              <a:t>Just need "</a:t>
-            </a:r>
-            <a:r>
-              <a:rPr lang="en-US" b="1" dirty="0" err="1">
-                <a:cs typeface="Calibri"/>
-              </a:rPr>
-              <a:t>proxy":"http</a:t>
-            </a:r>
-            <a:r>
-              <a:rPr lang="en-US" b="1" dirty="0">
-                <a:cs typeface="Calibri"/>
-              </a:rPr>
-              <a:t>://localhost:8080" </a:t>
-            </a:r>
-            <a:r>
-              <a:rPr lang="en-US" dirty="0">
-                <a:cs typeface="Calibri"/>
-              </a:rPr>
-              <a:t>entry in </a:t>
-            </a:r>
-            <a:r>
-              <a:rPr lang="en-US" dirty="0" err="1">
-                <a:cs typeface="Calibri"/>
-              </a:rPr>
-              <a:t>package.json</a:t>
-            </a:r>
-            <a:r>
-              <a:rPr lang="en-US" dirty="0">
-                <a:cs typeface="Calibri"/>
-              </a:rPr>
-              <a:t>.</a:t>
-            </a:r>
-          </a:p>
-          <a:p>
-            <a:r>
-              <a:rPr lang="en-US" dirty="0">
-                <a:cs typeface="Calibri"/>
-              </a:rPr>
-              <a:t>Removes Cross-Origin-Resource-Sharing (CORS) issues with the browser</a:t>
-            </a:r>
-          </a:p>
-        </p:txBody>
-      </p:sp>
-      <p:pic>
-        <p:nvPicPr>
-          <p:cNvPr id="4" name="Picture 4">
-            <a:extLst>
-              <a:ext uri="{FF2B5EF4-FFF2-40B4-BE49-F238E27FC236}">
-                <a16:creationId xmlns:a16="http://schemas.microsoft.com/office/drawing/2014/main" id="{CEC6DFC5-9D5B-455A-8494-199BA71DDE43}"/>
-              </a:ext>
-            </a:extLst>
-          </p:cNvPr>
-          <p:cNvPicPr>
-            <a:picLocks noChangeAspect="1"/>
-          </p:cNvPicPr>
-          <p:nvPr/>
-        </p:nvPicPr>
-        <p:blipFill>
-          <a:blip r:embed="rId2"/>
-          <a:stretch>
-            <a:fillRect/>
-          </a:stretch>
-        </p:blipFill>
-        <p:spPr>
-          <a:xfrm>
-            <a:off x="2954374" y="4907286"/>
-            <a:ext cx="6846276" cy="1514180"/>
-          </a:xfrm>
-          <a:prstGeom prst="rect">
-            <a:avLst/>
-          </a:prstGeom>
-        </p:spPr>
-      </p:pic>
-    </p:spTree>
-    <p:extLst>
-      <p:ext uri="{BB962C8B-B14F-4D97-AF65-F5344CB8AC3E}">
-        <p14:creationId xmlns:p14="http://schemas.microsoft.com/office/powerpoint/2010/main" val="3883064758"/>
-      </p:ext>
-    </p:extLst>
-  </p:cSld>
-  <p:clrMapOvr>
-    <a:masterClrMapping/>
-  </p:clrMapOvr>
-  <p:timing>
-    <p:tnLst>
-      <p:par>
-        <p:cTn id="1" dur="indefinite" restart="never" nodeType="tmRoot">
-          <p:childTnLst>
-            <p:seq concurrent="1" nextAc="seek">
-              <p:cTn id="2" dur="indefinite" nodeType="mainSeq">
-                <p:childTnLst>
-                  <p:par>
-                    <p:cTn id="3" fill="hold">
-                      <p:stCondLst>
-                        <p:cond delay="indefinite"/>
-                      </p:stCondLst>
-                      <p:childTnLst>
-                        <p:par>
-                          <p:cTn id="4" fill="hold">
-                            <p:stCondLst>
-                              <p:cond delay="0"/>
-                            </p:stCondLst>
-                            <p:childTnLst>
-                              <p:par>
-                                <p:cTn id="5" presetID="10" presetClass="entr" presetSubtype="0" fill="hold" nodeType="clickEffect">
-                                  <p:stCondLst>
-                                    <p:cond delay="0"/>
-                                  </p:stCondLst>
-                                  <p:childTnLst>
-                                    <p:set>
-                                      <p:cBhvr>
-                                        <p:cTn id="6" dur="1" fill="hold">
-                                          <p:stCondLst>
-                                            <p:cond delay="0"/>
-                                          </p:stCondLst>
-                                        </p:cTn>
-                                        <p:tgtEl>
-                                          <p:spTgt spid="3">
-                                            <p:txEl>
-                                              <p:pRg st="0" end="0"/>
-                                            </p:txEl>
-                                          </p:spTgt>
-                                        </p:tgtEl>
-                                        <p:attrNameLst>
-                                          <p:attrName>style.visibility</p:attrName>
-                                        </p:attrNameLst>
-                                      </p:cBhvr>
-                                      <p:to>
-                                        <p:strVal val="visible"/>
-                                      </p:to>
-                                    </p:set>
-                                    <p:animEffect transition="in" filter="fade">
-                                      <p:cBhvr>
-                                        <p:cTn id="7" dur="500"/>
-                                        <p:tgtEl>
-                                          <p:spTgt spid="3">
-                                            <p:txEl>
-                                              <p:pRg st="0" end="0"/>
-                                            </p:txEl>
-                                          </p:spTgt>
-                                        </p:tgtEl>
-                                      </p:cBhvr>
-                                    </p:animEffect>
-                                  </p:childTnLst>
-                                </p:cTn>
-                              </p:par>
-                            </p:childTnLst>
-                          </p:cTn>
-                        </p:par>
-                      </p:childTnLst>
-                    </p:cTn>
-                  </p:par>
-                  <p:par>
-                    <p:cTn id="8" fill="hold">
-                      <p:stCondLst>
-                        <p:cond delay="indefinite"/>
-                      </p:stCondLst>
-                      <p:childTnLst>
-                        <p:par>
-                          <p:cTn id="9" fill="hold">
-                            <p:stCondLst>
-                              <p:cond delay="0"/>
-                            </p:stCondLst>
-                            <p:childTnLst>
-                              <p:par>
-                                <p:cTn id="10" presetID="10" presetClass="entr" presetSubtype="0" fill="hold" nodeType="clickEffect">
-                                  <p:stCondLst>
-                                    <p:cond delay="0"/>
-                                  </p:stCondLst>
-                                  <p:childTnLst>
-                                    <p:set>
-                                      <p:cBhvr>
-                                        <p:cTn id="11" dur="1" fill="hold">
-                                          <p:stCondLst>
-                                            <p:cond delay="0"/>
-                                          </p:stCondLst>
-                                        </p:cTn>
-                                        <p:tgtEl>
-                                          <p:spTgt spid="3">
-                                            <p:txEl>
-                                              <p:pRg st="1" end="1"/>
-                                            </p:txEl>
-                                          </p:spTgt>
-                                        </p:tgtEl>
-                                        <p:attrNameLst>
-                                          <p:attrName>style.visibility</p:attrName>
-                                        </p:attrNameLst>
-                                      </p:cBhvr>
-                                      <p:to>
-                                        <p:strVal val="visible"/>
-                                      </p:to>
-                                    </p:set>
-                                    <p:animEffect transition="in" filter="fade">
-                                      <p:cBhvr>
-                                        <p:cTn id="12" dur="500"/>
-                                        <p:tgtEl>
-                                          <p:spTgt spid="3">
-                                            <p:txEl>
-                                              <p:pRg st="1" end="1"/>
-                                            </p:txEl>
-                                          </p:spTgt>
-                                        </p:tgtEl>
-                                      </p:cBhvr>
-                                    </p:animEffect>
-                                  </p:childTnLst>
-                                </p:cTn>
-                              </p:par>
-                            </p:childTnLst>
-                          </p:cTn>
-                        </p:par>
-                      </p:childTnLst>
-                    </p:cTn>
-                  </p:par>
-                  <p:par>
-                    <p:cTn id="13" fill="hold">
-                      <p:stCondLst>
-                        <p:cond delay="indefinite"/>
-                      </p:stCondLst>
-                      <p:childTnLst>
-                        <p:par>
-                          <p:cTn id="14" fill="hold">
-                            <p:stCondLst>
-                              <p:cond delay="0"/>
-                            </p:stCondLst>
-                            <p:childTnLst>
-                              <p:par>
-                                <p:cTn id="15" presetID="10" presetClass="entr" presetSubtype="0" fill="hold" nodeType="clickEffect">
-                                  <p:stCondLst>
-                                    <p:cond delay="0"/>
-                                  </p:stCondLst>
-                                  <p:childTnLst>
-                                    <p:set>
-                                      <p:cBhvr>
-                                        <p:cTn id="16" dur="1" fill="hold">
-                                          <p:stCondLst>
-                                            <p:cond delay="0"/>
-                                          </p:stCondLst>
-                                        </p:cTn>
-                                        <p:tgtEl>
-                                          <p:spTgt spid="3">
-                                            <p:txEl>
-                                              <p:pRg st="2" end="2"/>
-                                            </p:txEl>
-                                          </p:spTgt>
-                                        </p:tgtEl>
-                                        <p:attrNameLst>
-                                          <p:attrName>style.visibility</p:attrName>
-                                        </p:attrNameLst>
-                                      </p:cBhvr>
-                                      <p:to>
-                                        <p:strVal val="visible"/>
-                                      </p:to>
-                                    </p:set>
-                                    <p:animEffect transition="in" filter="fade">
-                                      <p:cBhvr>
-                                        <p:cTn id="17" dur="500"/>
-                                        <p:tgtEl>
-                                          <p:spTgt spid="3">
-                                            <p:txEl>
-                                              <p:pRg st="2" end="2"/>
-                                            </p:txEl>
-                                          </p:spTgt>
-                                        </p:tgtEl>
-                                      </p:cBhvr>
-                                    </p:animEffect>
-                                  </p:childTnLst>
-                                </p:cTn>
-                              </p:par>
-                            </p:childTnLst>
-                          </p:cTn>
-                        </p:par>
-                      </p:childTnLst>
-                    </p:cTn>
-                  </p:par>
-                  <p:par>
-                    <p:cTn id="18" fill="hold">
-                      <p:stCondLst>
-                        <p:cond delay="indefinite"/>
-                      </p:stCondLst>
-                      <p:childTnLst>
-                        <p:par>
-                          <p:cTn id="19" fill="hold">
-                            <p:stCondLst>
-                              <p:cond delay="0"/>
-                            </p:stCondLst>
-                            <p:childTnLst>
-                              <p:par>
-                                <p:cTn id="20" presetID="10" presetClass="entr" presetSubtype="0" fill="hold" nodeType="clickEffect">
-                                  <p:stCondLst>
-                                    <p:cond delay="0"/>
-                                  </p:stCondLst>
-                                  <p:childTnLst>
-                                    <p:set>
-                                      <p:cBhvr>
-                                        <p:cTn id="21" dur="1" fill="hold">
-                                          <p:stCondLst>
-                                            <p:cond delay="0"/>
-                                          </p:stCondLst>
-                                        </p:cTn>
-                                        <p:tgtEl>
-                                          <p:spTgt spid="3">
-                                            <p:txEl>
-                                              <p:pRg st="3" end="3"/>
-                                            </p:txEl>
-                                          </p:spTgt>
-                                        </p:tgtEl>
-                                        <p:attrNameLst>
-                                          <p:attrName>style.visibility</p:attrName>
-                                        </p:attrNameLst>
-                                      </p:cBhvr>
-                                      <p:to>
-                                        <p:strVal val="visible"/>
-                                      </p:to>
-                                    </p:set>
-                                    <p:animEffect transition="in" filter="fade">
-                                      <p:cBhvr>
-                                        <p:cTn id="22" dur="500"/>
-                                        <p:tgtEl>
-                                          <p:spTgt spid="3">
-                                            <p:txEl>
-                                              <p:pRg st="3" end="3"/>
-                                            </p:txEl>
-                                          </p:spTgt>
-                                        </p:tgtEl>
-                                      </p:cBhvr>
-                                    </p:animEffect>
-                                  </p:childTnLst>
-                                </p:cTn>
-                              </p:par>
-                            </p:childTnLst>
-                          </p:cTn>
-                        </p:par>
-                      </p:childTnLst>
-                    </p:cTn>
-                  </p:par>
-                  <p:par>
-                    <p:cTn id="23" fill="hold">
-                      <p:stCondLst>
-                        <p:cond delay="indefinite"/>
-                      </p:stCondLst>
-                      <p:childTnLst>
-                        <p:par>
-                          <p:cTn id="24" fill="hold">
-                            <p:stCondLst>
-                              <p:cond delay="0"/>
-                            </p:stCondLst>
-                            <p:childTnLst>
-                              <p:par>
-                                <p:cTn id="25" presetID="10" presetClass="entr" presetSubtype="0" fill="hold" nodeType="clickEffect">
-                                  <p:stCondLst>
-                                    <p:cond delay="0"/>
-                                  </p:stCondLst>
-                                  <p:childTnLst>
-                                    <p:set>
-                                      <p:cBhvr>
-                                        <p:cTn id="26" dur="1" fill="hold">
-                                          <p:stCondLst>
-                                            <p:cond delay="0"/>
-                                          </p:stCondLst>
-                                        </p:cTn>
-                                        <p:tgtEl>
-                                          <p:spTgt spid="3">
-                                            <p:txEl>
-                                              <p:pRg st="4" end="4"/>
-                                            </p:txEl>
-                                          </p:spTgt>
-                                        </p:tgtEl>
-                                        <p:attrNameLst>
-                                          <p:attrName>style.visibility</p:attrName>
-                                        </p:attrNameLst>
-                                      </p:cBhvr>
-                                      <p:to>
-                                        <p:strVal val="visible"/>
-                                      </p:to>
-                                    </p:set>
-                                    <p:animEffect transition="in" filter="fade">
-                                      <p:cBhvr>
-                                        <p:cTn id="27" dur="500"/>
-                                        <p:tgtEl>
-                                          <p:spTgt spid="3">
-                                            <p:txEl>
-                                              <p:pRg st="4" end="4"/>
-                                            </p:txEl>
-                                          </p:spTgt>
-                                        </p:tgtEl>
-                                      </p:cBhvr>
-                                    </p:animEffect>
-                                  </p:childTnLst>
-                                </p:cTn>
-                              </p:par>
-                            </p:childTnLst>
-                          </p:cTn>
-                        </p:par>
-                      </p:childTnLst>
-                    </p:cTn>
-                  </p:par>
-                </p:childTnLst>
-              </p:cTn>
-              <p:prevCondLst>
-                <p:cond evt="onPrev" delay="0">
-                  <p:tgtEl>
-                    <p:sldTgt/>
-                  </p:tgtEl>
-                </p:cond>
-              </p:prevCondLst>
-              <p:nextCondLst>
-                <p:cond evt="onNext" delay="0">
-                  <p:tgtEl>
-                    <p:sldTgt/>
-                  </p:tgtEl>
-                </p:cond>
-              </p:nextCondLst>
-            </p:seq>
-          </p:childTnLst>
-        </p:cTn>
-      </p:par>
-    </p:tnLst>
-  </p:timing>
-</p:sld>
-</file>
-
-<file path=ppt/slides/slide38.xml><?xml version="1.0" encoding="utf-8"?>
-<p:sld xmlns:a="http://schemas.openxmlformats.org/drawingml/2006/main" xmlns:r="http://schemas.openxmlformats.org/officeDocument/2006/relationships" xmlns:p="http://schemas.openxmlformats.org/presentationml/2006/main">
-  <p:cSld>
-    <p:spTree>
-      <p:nvGrpSpPr>
-        <p:cNvPr id="1" name=""/>
-        <p:cNvGrpSpPr/>
-        <p:nvPr/>
-      </p:nvGrpSpPr>
-      <p:grpSpPr>
-        <a:xfrm>
-          <a:off x="0" y="0"/>
-          <a:ext cx="0" cy="0"/>
-          <a:chOff x="0" y="0"/>
-          <a:chExt cx="0" cy="0"/>
-        </a:xfrm>
-      </p:grpSpPr>
-      <p:sp>
-        <p:nvSpPr>
-          <p:cNvPr id="2" name="Title 1">
-            <a:extLst>
-              <a:ext uri="{FF2B5EF4-FFF2-40B4-BE49-F238E27FC236}">
-                <a16:creationId xmlns:a16="http://schemas.microsoft.com/office/drawing/2014/main" id="{F740081B-0359-45B1-A517-82CFA3EF0849}"/>
-              </a:ext>
-            </a:extLst>
-          </p:cNvPr>
-          <p:cNvSpPr>
-            <a:spLocks noGrp="1"/>
-          </p:cNvSpPr>
-          <p:nvPr>
-            <p:ph type="title"/>
-          </p:nvPr>
-        </p:nvSpPr>
-        <p:spPr/>
-        <p:txBody>
-          <a:bodyPr/>
-          <a:lstStyle/>
-          <a:p>
-            <a:r>
-              <a:rPr lang="en-US" dirty="0" err="1">
-                <a:cs typeface="Calibri Light"/>
-              </a:rPr>
-              <a:t>JavaWebToken</a:t>
-            </a:r>
-            <a:r>
-              <a:rPr lang="en-US" dirty="0">
-                <a:cs typeface="Calibri Light"/>
-              </a:rPr>
-              <a:t> Storage</a:t>
-            </a:r>
-            <a:endParaRPr lang="en-US" dirty="0"/>
-          </a:p>
-        </p:txBody>
-      </p:sp>
-      <p:sp>
-        <p:nvSpPr>
-          <p:cNvPr id="3" name="Content Placeholder 2">
-            <a:extLst>
-              <a:ext uri="{FF2B5EF4-FFF2-40B4-BE49-F238E27FC236}">
-                <a16:creationId xmlns:a16="http://schemas.microsoft.com/office/drawing/2014/main" id="{F6189031-B3BD-49B8-A447-27D8173F4092}"/>
-              </a:ext>
-            </a:extLst>
-          </p:cNvPr>
-          <p:cNvSpPr>
-            <a:spLocks noGrp="1"/>
-          </p:cNvSpPr>
-          <p:nvPr>
-            <p:ph idx="1"/>
-          </p:nvPr>
-        </p:nvSpPr>
-        <p:spPr/>
-        <p:txBody>
-          <a:bodyPr vert="horz" lIns="91440" tIns="45720" rIns="91440" bIns="45720" rtlCol="0" anchor="t">
-            <a:normAutofit/>
-          </a:bodyPr>
-          <a:lstStyle/>
-          <a:p>
-            <a:r>
-              <a:rPr lang="en-US" dirty="0">
-                <a:cs typeface="Calibri"/>
-              </a:rPr>
-              <a:t>Most browsers/devices have </a:t>
-            </a:r>
-            <a:r>
-              <a:rPr lang="en-US" b="1" dirty="0">
-                <a:cs typeface="Calibri"/>
-              </a:rPr>
-              <a:t>local storage</a:t>
-            </a:r>
-            <a:r>
-              <a:rPr lang="en-US" dirty="0">
-                <a:cs typeface="Calibri"/>
-              </a:rPr>
-              <a:t> .Can access using </a:t>
-            </a:r>
-            <a:r>
-              <a:rPr lang="en-US" b="1" dirty="0" err="1">
-                <a:cs typeface="Calibri"/>
-              </a:rPr>
-              <a:t>localStorage</a:t>
-            </a:r>
-            <a:r>
-              <a:rPr lang="en-US" dirty="0">
-                <a:cs typeface="Calibri"/>
-              </a:rPr>
-              <a:t> object.</a:t>
-            </a:r>
-            <a:endParaRPr lang="en-US" dirty="0"/>
-          </a:p>
-          <a:p>
-            <a:endParaRPr lang="en-US" dirty="0">
-              <a:cs typeface="Calibri"/>
-            </a:endParaRPr>
-          </a:p>
-          <a:p>
-            <a:pPr marL="0" indent="0">
-              <a:buNone/>
-            </a:pPr>
-            <a:r>
-              <a:rPr lang="en-US" sz="1600" b="1" dirty="0" err="1">
-                <a:latin typeface="Courier New"/>
-                <a:cs typeface="Courier New"/>
-              </a:rPr>
-              <a:t>localStorage.setItem</a:t>
-            </a:r>
-            <a:r>
-              <a:rPr lang="en-US" sz="1600" b="1" dirty="0">
-                <a:latin typeface="Courier New"/>
-                <a:cs typeface="Courier New"/>
-              </a:rPr>
-              <a:t>('token', token);</a:t>
-            </a:r>
-          </a:p>
-          <a:p>
-            <a:endParaRPr lang="en-US" sz="1600" dirty="0">
-              <a:latin typeface="Courier New"/>
-              <a:cs typeface="Courier New"/>
-            </a:endParaRPr>
-          </a:p>
-          <a:p>
-            <a:pPr>
-              <a:buNone/>
-            </a:pPr>
-            <a:r>
-              <a:rPr lang="en-US" sz="1600" dirty="0">
-                <a:latin typeface="Courier New"/>
-                <a:cs typeface="Courier New"/>
-              </a:rPr>
-              <a:t> </a:t>
-            </a:r>
-            <a:r>
-              <a:rPr lang="en-US" sz="1600" b="1" dirty="0" err="1">
-                <a:latin typeface="Courier New"/>
-                <a:cs typeface="Courier New"/>
-              </a:rPr>
-              <a:t>const</a:t>
-            </a:r>
-            <a:r>
-              <a:rPr lang="en-US" sz="1600" b="1" dirty="0">
-                <a:latin typeface="Courier New"/>
-                <a:cs typeface="Courier New"/>
-              </a:rPr>
-              <a:t> token =     </a:t>
-            </a:r>
-            <a:r>
-              <a:rPr lang="en-US" sz="1600" b="1" dirty="0" err="1">
-                <a:latin typeface="Courier New"/>
-                <a:cs typeface="Courier New"/>
-              </a:rPr>
-              <a:t>localStorage.getItem</a:t>
-            </a:r>
-            <a:r>
-              <a:rPr lang="en-US" sz="1600" b="1" dirty="0">
-                <a:latin typeface="Courier New"/>
-                <a:cs typeface="Courier New"/>
-              </a:rPr>
-              <a:t>('token');</a:t>
-            </a:r>
-          </a:p>
-          <a:p>
-            <a:pPr>
-              <a:buNone/>
-            </a:pPr>
-            <a:r>
-              <a:rPr lang="en-US" b="1" dirty="0">
-                <a:cs typeface="Calibri"/>
-              </a:rPr>
-              <a:t>  </a:t>
-            </a:r>
-            <a:endParaRPr lang="en-US" b="1" dirty="0"/>
-          </a:p>
-        </p:txBody>
-      </p:sp>
-      <p:pic>
-        <p:nvPicPr>
-          <p:cNvPr id="4" name="Picture 4" descr="A screenshot of a cell phone&#10;&#10;Description generated with very high confidence">
-            <a:extLst>
-              <a:ext uri="{FF2B5EF4-FFF2-40B4-BE49-F238E27FC236}">
-                <a16:creationId xmlns:a16="http://schemas.microsoft.com/office/drawing/2014/main" id="{CD720AF2-FAFC-40A5-A577-206DF9820680}"/>
-              </a:ext>
-            </a:extLst>
-          </p:cNvPr>
-          <p:cNvPicPr>
-            <a:picLocks noChangeAspect="1"/>
-          </p:cNvPicPr>
-          <p:nvPr/>
-        </p:nvPicPr>
-        <p:blipFill>
-          <a:blip r:embed="rId2"/>
-          <a:stretch>
-            <a:fillRect/>
-          </a:stretch>
-        </p:blipFill>
-        <p:spPr>
-          <a:xfrm>
-            <a:off x="838200" y="4519581"/>
-            <a:ext cx="7959969" cy="2093885"/>
-          </a:xfrm>
-          <a:prstGeom prst="rect">
-            <a:avLst/>
-          </a:prstGeom>
-        </p:spPr>
-      </p:pic>
-    </p:spTree>
-    <p:extLst>
-      <p:ext uri="{BB962C8B-B14F-4D97-AF65-F5344CB8AC3E}">
-        <p14:creationId xmlns:p14="http://schemas.microsoft.com/office/powerpoint/2010/main" val="2049159409"/>
-      </p:ext>
-    </p:extLst>
-  </p:cSld>
-  <p:clrMapOvr>
-    <a:masterClrMapping/>
-  </p:clrMapOvr>
-</p:sld>
-</file>
-
-<file path=ppt/slides/slide39.xml><?xml version="1.0" encoding="utf-8"?>
-<p:sld xmlns:a="http://schemas.openxmlformats.org/drawingml/2006/main" xmlns:r="http://schemas.openxmlformats.org/officeDocument/2006/relationships" xmlns:p="http://schemas.openxmlformats.org/presentationml/2006/main">
-  <p:cSld>
-    <p:bg>
-      <p:bgPr>
-        <a:solidFill>
-          <a:schemeClr val="bg1"/>
-        </a:solidFill>
-        <a:effectLst/>
-      </p:bgPr>
-    </p:bg>
-    <p:spTree>
-      <p:nvGrpSpPr>
-        <p:cNvPr id="1" name=""/>
-        <p:cNvGrpSpPr/>
-        <p:nvPr/>
-      </p:nvGrpSpPr>
-      <p:grpSpPr>
-        <a:xfrm>
-          <a:off x="0" y="0"/>
-          <a:ext cx="0" cy="0"/>
-          <a:chOff x="0" y="0"/>
-          <a:chExt cx="0" cy="0"/>
-        </a:xfrm>
-      </p:grpSpPr>
-      <p:sp useBgFill="1">
-        <p:nvSpPr>
-          <p:cNvPr id="33" name="Rectangle 32">
-            <a:extLst>
-              <a:ext uri="{FF2B5EF4-FFF2-40B4-BE49-F238E27FC236}">
-                <a16:creationId xmlns:a16="http://schemas.microsoft.com/office/drawing/2014/main" id="{201CC55D-ED54-4C5C-95E6-10947BD1103B}"/>
-              </a:ext>
-              <a:ext uri="{C183D7F6-B498-43B3-948B-1728B52AA6E4}">
-                <adec:decorative xmlns:adec="http://schemas.microsoft.com/office/drawing/2017/decorative" val="1"/>
-              </a:ext>
-            </a:extLst>
-          </p:cNvPr>
-          <p:cNvSpPr>
-            <a:spLocks noGrp="1" noRot="1" noChangeAspect="1" noMove="1" noResize="1" noEditPoints="1" noAdjustHandles="1" noChangeArrowheads="1" noChangeShapeType="1" noTextEdit="1"/>
-          </p:cNvSpPr>
-          <p:nvPr>
-            <p:extLst>
-              <p:ext uri="{386F3935-93C4-4BCD-93E2-E3B085C9AB24}">
-                <p16:designElem xmlns:p16="http://schemas.microsoft.com/office/powerpoint/2015/main" val="1"/>
-              </p:ext>
-            </p:extLst>
-          </p:nvPr>
-        </p:nvSpPr>
-        <p:spPr>
-          <a:xfrm>
-            <a:off x="0" y="0"/>
-            <a:ext cx="12191999" cy="6857365"/>
-          </a:xfrm>
-          <a:prstGeom prst="rect">
-            <a:avLst/>
-          </a:prstGeom>
-          <a:ln>
-            <a:noFill/>
-          </a:ln>
-        </p:spPr>
-        <p:style>
-          <a:lnRef idx="2">
-            <a:schemeClr val="accent1">
-              <a:shade val="50000"/>
-            </a:schemeClr>
-          </a:lnRef>
-          <a:fillRef idx="1">
-            <a:schemeClr val="accent1"/>
-          </a:fillRef>
-          <a:effectRef idx="0">
-            <a:schemeClr val="accent1"/>
-          </a:effectRef>
-          <a:fontRef idx="minor">
-            <a:schemeClr val="lt1"/>
-          </a:fontRef>
-        </p:style>
-        <p:txBody>
-          <a:bodyPr rtlCol="0" anchor="ctr"/>
-          <a:lstStyle/>
-          <a:p>
-            <a:pPr algn="ctr"/>
-            <a:endParaRPr lang="en-US"/>
-          </a:p>
-        </p:txBody>
-      </p:sp>
-      <p:sp>
-        <p:nvSpPr>
-          <p:cNvPr id="2" name="Title 1">
-            <a:extLst>
-              <a:ext uri="{FF2B5EF4-FFF2-40B4-BE49-F238E27FC236}">
-                <a16:creationId xmlns:a16="http://schemas.microsoft.com/office/drawing/2014/main" id="{93736600-2E14-49D6-A139-F5ABC740F163}"/>
-              </a:ext>
-            </a:extLst>
-          </p:cNvPr>
-          <p:cNvSpPr>
-            <a:spLocks noGrp="1"/>
-          </p:cNvSpPr>
-          <p:nvPr>
-            <p:ph type="title"/>
-          </p:nvPr>
-        </p:nvSpPr>
-        <p:spPr>
-          <a:xfrm>
-            <a:off x="589560" y="856180"/>
-            <a:ext cx="4560584" cy="1128068"/>
-          </a:xfrm>
-        </p:spPr>
-        <p:txBody>
-          <a:bodyPr anchor="ctr">
-            <a:normAutofit/>
-          </a:bodyPr>
-          <a:lstStyle/>
-          <a:p>
-            <a:r>
-              <a:rPr lang="en-US" sz="4000" dirty="0">
-                <a:cs typeface="Calibri Light"/>
-              </a:rPr>
-              <a:t>Contexts</a:t>
-            </a:r>
-            <a:endParaRPr lang="en-US" sz="4000" dirty="0"/>
-          </a:p>
-        </p:txBody>
-      </p:sp>
-      <p:grpSp>
-        <p:nvGrpSpPr>
-          <p:cNvPr id="35" name="Group 34">
-            <a:extLst>
-              <a:ext uri="{FF2B5EF4-FFF2-40B4-BE49-F238E27FC236}">
-                <a16:creationId xmlns:a16="http://schemas.microsoft.com/office/drawing/2014/main" id="{1DE889C7-FAD6-4397-98E2-05D503484459}"/>
-              </a:ext>
-              <a:ext uri="{C183D7F6-B498-43B3-948B-1728B52AA6E4}">
-                <adec:decorative xmlns:adec="http://schemas.microsoft.com/office/drawing/2017/decorative" val="1"/>
-              </a:ext>
-            </a:extLst>
-          </p:cNvPr>
-          <p:cNvGrpSpPr>
-            <a:grpSpLocks noGrp="1" noUngrp="1" noRot="1" noChangeAspect="1" noMove="1" noResize="1"/>
-          </p:cNvGrpSpPr>
-          <p:nvPr>
-            <p:extLst>
-              <p:ext uri="{386F3935-93C4-4BCD-93E2-E3B085C9AB24}">
-                <p16:designElem xmlns:p16="http://schemas.microsoft.com/office/powerpoint/2015/main" val="1"/>
-              </p:ext>
-            </p:extLst>
-          </p:nvPr>
-        </p:nvGrpSpPr>
-        <p:grpSpPr>
-          <a:xfrm>
-            <a:off x="0" y="1083484"/>
-            <a:ext cx="355196" cy="673460"/>
-            <a:chOff x="0" y="823811"/>
-            <a:chExt cx="355196" cy="673460"/>
-          </a:xfrm>
-        </p:grpSpPr>
-        <p:sp>
-          <p:nvSpPr>
-            <p:cNvPr id="36" name="Rectangle 35">
-              <a:extLst>
-                <a:ext uri="{FF2B5EF4-FFF2-40B4-BE49-F238E27FC236}">
-                  <a16:creationId xmlns:a16="http://schemas.microsoft.com/office/drawing/2014/main" id="{F399A70F-F8CD-4992-9EF5-6CF15472E73F}"/>
-                </a:ext>
-                <a:ext uri="{C183D7F6-B498-43B3-948B-1728B52AA6E4}">
-                  <adec:decorative xmlns:adec="http://schemas.microsoft.com/office/drawing/2017/decorative" val="1"/>
-                </a:ext>
-              </a:extLst>
-            </p:cNvPr>
-            <p:cNvSpPr/>
-            <p:nvPr>
-              <p:extLst>
-                <p:ext uri="{386F3935-93C4-4BCD-93E2-E3B085C9AB24}">
-                  <p16:designElem xmlns:p16="http://schemas.microsoft.com/office/powerpoint/2015/main" val="1"/>
-                </p:ext>
-              </p:extLst>
-            </p:nvPr>
-          </p:nvSpPr>
-          <p:spPr>
-            <a:xfrm>
-              <a:off x="0" y="823811"/>
-              <a:ext cx="87363" cy="673460"/>
-            </a:xfrm>
-            <a:prstGeom prst="rect">
-              <a:avLst/>
-            </a:prstGeom>
-            <a:solidFill>
-              <a:schemeClr val="accent4"/>
-            </a:solidFill>
-            <a:ln>
-              <a:noFill/>
-            </a:ln>
-          </p:spPr>
-          <p:style>
-            <a:lnRef idx="2">
-              <a:schemeClr val="accent1">
-                <a:shade val="50000"/>
-              </a:schemeClr>
-            </a:lnRef>
-            <a:fillRef idx="1">
-              <a:schemeClr val="accent1"/>
-            </a:fillRef>
-            <a:effectRef idx="0">
-              <a:schemeClr val="accent1"/>
-            </a:effectRef>
-            <a:fontRef idx="minor">
-              <a:schemeClr val="lt1"/>
-            </a:fontRef>
-          </p:style>
-          <p:txBody>
-            <a:bodyPr rtlCol="0" anchor="ctr"/>
-            <a:lstStyle/>
-            <a:p>
-              <a:pPr algn="ctr"/>
-              <a:endParaRPr lang="en-US"/>
-            </a:p>
-          </p:txBody>
-        </p:sp>
-        <p:sp>
-          <p:nvSpPr>
-            <p:cNvPr id="37" name="Rectangle 36">
-              <a:extLst>
-                <a:ext uri="{FF2B5EF4-FFF2-40B4-BE49-F238E27FC236}">
-                  <a16:creationId xmlns:a16="http://schemas.microsoft.com/office/drawing/2014/main" id="{48F4FEDC-6D80-458C-A665-075D9B9500FD}"/>
-                </a:ext>
-                <a:ext uri="{C183D7F6-B498-43B3-948B-1728B52AA6E4}">
-                  <adec:decorative xmlns:adec="http://schemas.microsoft.com/office/drawing/2017/decorative" val="1"/>
-                </a:ext>
-              </a:extLst>
-            </p:cNvPr>
-            <p:cNvSpPr/>
-            <p:nvPr>
-              <p:extLst>
-                <p:ext uri="{386F3935-93C4-4BCD-93E2-E3B085C9AB24}">
-                  <p16:designElem xmlns:p16="http://schemas.microsoft.com/office/powerpoint/2015/main" val="1"/>
-                </p:ext>
-              </p:extLst>
-            </p:nvPr>
-          </p:nvSpPr>
-          <p:spPr>
-            <a:xfrm>
-              <a:off x="159341" y="823811"/>
-              <a:ext cx="195855" cy="673460"/>
-            </a:xfrm>
-            <a:prstGeom prst="rect">
-              <a:avLst/>
-            </a:prstGeom>
-            <a:solidFill>
-              <a:schemeClr val="accent4"/>
-            </a:solidFill>
-            <a:ln>
-              <a:noFill/>
-            </a:ln>
-          </p:spPr>
-          <p:style>
-            <a:lnRef idx="2">
-              <a:schemeClr val="accent1">
-                <a:shade val="50000"/>
-              </a:schemeClr>
-            </a:lnRef>
-            <a:fillRef idx="1">
-              <a:schemeClr val="accent1"/>
-            </a:fillRef>
-            <a:effectRef idx="0">
-              <a:schemeClr val="accent1"/>
-            </a:effectRef>
-            <a:fontRef idx="minor">
-              <a:schemeClr val="lt1"/>
-            </a:fontRef>
-          </p:style>
-          <p:txBody>
-            <a:bodyPr rtlCol="0" anchor="ctr"/>
-            <a:lstStyle/>
-            <a:p>
-              <a:pPr algn="ctr"/>
-              <a:endParaRPr lang="en-US"/>
-            </a:p>
-          </p:txBody>
-        </p:sp>
-      </p:grpSp>
-      <p:sp>
-        <p:nvSpPr>
-          <p:cNvPr id="39" name="Rectangle 38">
-            <a:extLst>
-              <a:ext uri="{FF2B5EF4-FFF2-40B4-BE49-F238E27FC236}">
-                <a16:creationId xmlns:a16="http://schemas.microsoft.com/office/drawing/2014/main" id="{3873B707-463F-40B0-8227-E8CC6C67EB25}"/>
-              </a:ext>
-              <a:ext uri="{C183D7F6-B498-43B3-948B-1728B52AA6E4}">
-                <adec:decorative xmlns:adec="http://schemas.microsoft.com/office/drawing/2017/decorative" val="1"/>
-              </a:ext>
-            </a:extLst>
-          </p:cNvPr>
-          <p:cNvSpPr>
-            <a:spLocks noGrp="1" noRot="1" noChangeAspect="1" noMove="1" noResize="1" noEditPoints="1" noAdjustHandles="1" noChangeArrowheads="1" noChangeShapeType="1" noTextEdit="1"/>
-          </p:cNvSpPr>
-          <p:nvPr>
-            <p:extLst>
-              <p:ext uri="{386F3935-93C4-4BCD-93E2-E3B085C9AB24}">
-                <p16:designElem xmlns:p16="http://schemas.microsoft.com/office/powerpoint/2015/main" val="1"/>
-              </p:ext>
-            </p:extLst>
-          </p:nvPr>
-        </p:nvSpPr>
-        <p:spPr>
-          <a:xfrm flipH="1">
-            <a:off x="665085" y="2090569"/>
-            <a:ext cx="4297680" cy="27432"/>
-          </a:xfrm>
-          <a:prstGeom prst="rect">
-            <a:avLst/>
-          </a:prstGeom>
-          <a:solidFill>
-            <a:schemeClr val="accent4"/>
-          </a:solidFill>
-          <a:ln>
-            <a:noFill/>
-          </a:ln>
-        </p:spPr>
-        <p:style>
-          <a:lnRef idx="2">
-            <a:schemeClr val="accent1">
-              <a:shade val="50000"/>
-            </a:schemeClr>
-          </a:lnRef>
-          <a:fillRef idx="1">
-            <a:schemeClr val="accent1"/>
-          </a:fillRef>
-          <a:effectRef idx="0">
-            <a:schemeClr val="accent1"/>
-          </a:effectRef>
-          <a:fontRef idx="minor">
-            <a:schemeClr val="lt1"/>
-          </a:fontRef>
-        </p:style>
-        <p:txBody>
-          <a:bodyPr rtlCol="0" anchor="ctr"/>
-          <a:lstStyle/>
-          <a:p>
-            <a:pPr algn="ctr"/>
-            <a:endParaRPr lang="en-US"/>
-          </a:p>
-        </p:txBody>
-      </p:sp>
-      <p:sp>
-        <p:nvSpPr>
-          <p:cNvPr id="3" name="Content Placeholder 2">
-            <a:extLst>
-              <a:ext uri="{FF2B5EF4-FFF2-40B4-BE49-F238E27FC236}">
-                <a16:creationId xmlns:a16="http://schemas.microsoft.com/office/drawing/2014/main" id="{E0E54E75-3315-473B-ACB3-73F802051869}"/>
-              </a:ext>
-            </a:extLst>
-          </p:cNvPr>
-          <p:cNvSpPr>
-            <a:spLocks noGrp="1"/>
-          </p:cNvSpPr>
-          <p:nvPr>
-            <p:ph idx="1"/>
-          </p:nvPr>
-        </p:nvSpPr>
-        <p:spPr>
-          <a:xfrm>
-            <a:off x="590719" y="2330505"/>
-            <a:ext cx="4559425" cy="3979585"/>
-          </a:xfrm>
-        </p:spPr>
-        <p:txBody>
-          <a:bodyPr vert="horz" lIns="91440" tIns="45720" rIns="91440" bIns="45720" rtlCol="0" anchor="ctr">
-            <a:normAutofit/>
-          </a:bodyPr>
-          <a:lstStyle/>
-          <a:p>
-            <a:r>
-              <a:rPr lang="en-US" sz="2000">
-                <a:cs typeface="Calibri"/>
-              </a:rPr>
-              <a:t>Create a Authentication Context in MovieDB React App.</a:t>
-            </a:r>
-          </a:p>
-          <a:p>
-            <a:r>
-              <a:rPr lang="en-US" sz="2000">
-                <a:cs typeface="Calibri"/>
-              </a:rPr>
-              <a:t>As with Movie and Genre contexts, use it to pass data through the component tree </a:t>
-            </a:r>
-          </a:p>
-          <a:p>
-            <a:r>
-              <a:rPr lang="en-US" sz="2000">
-                <a:cs typeface="Calibri"/>
-              </a:rPr>
-              <a:t>Share authentication details between components</a:t>
-            </a:r>
-          </a:p>
-          <a:p>
-            <a:pPr lvl="1"/>
-            <a:endParaRPr lang="en-US" sz="2000">
-              <a:cs typeface="Calibri"/>
-            </a:endParaRPr>
-          </a:p>
-        </p:txBody>
-      </p:sp>
-      <p:sp>
-        <p:nvSpPr>
-          <p:cNvPr id="41" name="Rectangle 40">
-            <a:extLst>
-              <a:ext uri="{FF2B5EF4-FFF2-40B4-BE49-F238E27FC236}">
-                <a16:creationId xmlns:a16="http://schemas.microsoft.com/office/drawing/2014/main" id="{C13237C8-E62C-4F0D-A318-BD6FB6C2D138}"/>
-              </a:ext>
-              <a:ext uri="{C183D7F6-B498-43B3-948B-1728B52AA6E4}">
-                <adec:decorative xmlns:adec="http://schemas.microsoft.com/office/drawing/2017/decorative" val="1"/>
-              </a:ext>
-            </a:extLst>
-          </p:cNvPr>
-          <p:cNvSpPr>
-            <a:spLocks noGrp="1" noRot="1" noChangeAspect="1" noMove="1" noResize="1" noEditPoints="1" noAdjustHandles="1" noChangeArrowheads="1" noChangeShapeType="1" noTextEdit="1"/>
-          </p:cNvSpPr>
-          <p:nvPr>
-            <p:extLst>
-              <p:ext uri="{386F3935-93C4-4BCD-93E2-E3B085C9AB24}">
-                <p16:designElem xmlns:p16="http://schemas.microsoft.com/office/powerpoint/2015/main" val="1"/>
-              </p:ext>
-            </p:extLst>
-          </p:nvPr>
-        </p:nvSpPr>
-        <p:spPr>
-          <a:xfrm flipH="1">
-            <a:off x="10697670" y="0"/>
-            <a:ext cx="1494330" cy="6858000"/>
-          </a:xfrm>
-          <a:prstGeom prst="rect">
-            <a:avLst/>
-          </a:prstGeom>
-          <a:solidFill>
-            <a:schemeClr val="accent4"/>
-          </a:solidFill>
-          <a:ln>
-            <a:noFill/>
-          </a:ln>
-        </p:spPr>
-        <p:style>
-          <a:lnRef idx="2">
-            <a:schemeClr val="accent1">
-              <a:shade val="50000"/>
-            </a:schemeClr>
-          </a:lnRef>
-          <a:fillRef idx="1">
-            <a:schemeClr val="accent1"/>
-          </a:fillRef>
-          <a:effectRef idx="0">
-            <a:schemeClr val="accent1"/>
-          </a:effectRef>
-          <a:fontRef idx="minor">
-            <a:schemeClr val="lt1"/>
-          </a:fontRef>
-        </p:style>
-        <p:txBody>
-          <a:bodyPr rtlCol="0" anchor="ctr"/>
-          <a:lstStyle/>
-          <a:p>
-            <a:pPr algn="ctr"/>
-            <a:endParaRPr lang="en-US"/>
-          </a:p>
-        </p:txBody>
-      </p:sp>
-      <p:sp>
-        <p:nvSpPr>
-          <p:cNvPr id="43" name="Rectangle 42">
-            <a:extLst>
-              <a:ext uri="{FF2B5EF4-FFF2-40B4-BE49-F238E27FC236}">
-                <a16:creationId xmlns:a16="http://schemas.microsoft.com/office/drawing/2014/main" id="{19C9EAEA-39D0-4B0E-A0EB-51E7B26740B1}"/>
-              </a:ext>
-              <a:ext uri="{C183D7F6-B498-43B3-948B-1728B52AA6E4}">
-                <adec:decorative xmlns:adec="http://schemas.microsoft.com/office/drawing/2017/decorative" val="1"/>
-              </a:ext>
-            </a:extLst>
-          </p:cNvPr>
-          <p:cNvSpPr>
-            <a:spLocks noGrp="1" noRot="1" noChangeAspect="1" noMove="1" noResize="1" noEditPoints="1" noAdjustHandles="1" noChangeArrowheads="1" noChangeShapeType="1" noTextEdit="1"/>
-          </p:cNvSpPr>
-          <p:nvPr>
-            <p:extLst>
-              <p:ext uri="{386F3935-93C4-4BCD-93E2-E3B085C9AB24}">
-                <p16:designElem xmlns:p16="http://schemas.microsoft.com/office/powerpoint/2015/main" val="1"/>
-              </p:ext>
-            </p:extLst>
-          </p:nvPr>
-        </p:nvSpPr>
-        <p:spPr>
-          <a:xfrm>
-            <a:off x="5685810" y="513853"/>
-            <a:ext cx="6009366" cy="5834577"/>
-          </a:xfrm>
-          <a:prstGeom prst="rect">
-            <a:avLst/>
-          </a:prstGeom>
-          <a:solidFill>
-            <a:schemeClr val="bg1"/>
-          </a:solidFill>
-          <a:ln>
-            <a:noFill/>
-          </a:ln>
-          <a:effectLst>
-            <a:outerShdw blurRad="139700" dist="127000" dir="5400000" algn="t" rotWithShape="0">
-              <a:prstClr val="black">
-                <a:alpha val="15000"/>
-              </a:prstClr>
-            </a:outerShdw>
-          </a:effectLst>
-        </p:spPr>
-        <p:style>
-          <a:lnRef idx="2">
-            <a:schemeClr val="accent1">
-              <a:shade val="50000"/>
-            </a:schemeClr>
-          </a:lnRef>
-          <a:fillRef idx="1">
-            <a:schemeClr val="accent1"/>
-          </a:fillRef>
-          <a:effectRef idx="0">
-            <a:schemeClr val="accent1"/>
-          </a:effectRef>
-          <a:fontRef idx="minor">
-            <a:schemeClr val="lt1"/>
-          </a:fontRef>
-        </p:style>
-        <p:txBody>
-          <a:bodyPr rtlCol="0" anchor="ctr"/>
-          <a:lstStyle/>
-          <a:p>
-            <a:pPr algn="ctr"/>
-            <a:endParaRPr lang="en-US"/>
-          </a:p>
-        </p:txBody>
-      </p:sp>
-      <p:pic>
-        <p:nvPicPr>
-          <p:cNvPr id="6" name="Picture 5">
-            <a:extLst>
-              <a:ext uri="{FF2B5EF4-FFF2-40B4-BE49-F238E27FC236}">
-                <a16:creationId xmlns:a16="http://schemas.microsoft.com/office/drawing/2014/main" id="{382E279F-29E2-4B37-9F80-B11F8F4AAEBB}"/>
-              </a:ext>
-            </a:extLst>
-          </p:cNvPr>
-          <p:cNvPicPr>
-            <a:picLocks noChangeAspect="1"/>
-          </p:cNvPicPr>
-          <p:nvPr/>
-        </p:nvPicPr>
-        <p:blipFill rotWithShape="1">
-          <a:blip r:embed="rId2"/>
-          <a:srcRect l="2851" r="13088" b="1"/>
-          <a:stretch/>
-        </p:blipFill>
-        <p:spPr>
-          <a:xfrm>
-            <a:off x="5977788" y="799352"/>
-            <a:ext cx="5425410" cy="5259296"/>
-          </a:xfrm>
-          <a:prstGeom prst="rect">
-            <a:avLst/>
-          </a:prstGeom>
-        </p:spPr>
-      </p:pic>
-    </p:spTree>
-    <p:extLst>
-      <p:ext uri="{BB962C8B-B14F-4D97-AF65-F5344CB8AC3E}">
-        <p14:creationId xmlns:p14="http://schemas.microsoft.com/office/powerpoint/2010/main" val="2709865398"/>
-      </p:ext>
-    </p:extLst>
-  </p:cSld>
-  <p:clrMapOvr>
-    <a:masterClrMapping/>
-  </p:clrMapOvr>
-  <p:timing>
-    <p:tnLst>
-      <p:par>
-        <p:cTn id="1" dur="indefinite" restart="never" nodeType="tmRoot">
-          <p:childTnLst>
-            <p:seq concurrent="1" nextAc="seek">
-              <p:cTn id="2" dur="indefinite" nodeType="mainSeq">
-                <p:childTnLst>
-                  <p:par>
-                    <p:cTn id="3" fill="hold">
-                      <p:stCondLst>
-                        <p:cond delay="indefinite"/>
-                      </p:stCondLst>
-                      <p:childTnLst>
-                        <p:par>
-                          <p:cTn id="4" fill="hold">
-                            <p:stCondLst>
-                              <p:cond delay="0"/>
-                            </p:stCondLst>
-                            <p:childTnLst>
-                              <p:par>
-                                <p:cTn id="5" presetID="10" presetClass="entr" presetSubtype="0" fill="hold" nodeType="clickEffect">
-                                  <p:stCondLst>
-                                    <p:cond delay="0"/>
-                                  </p:stCondLst>
-                                  <p:childTnLst>
-                                    <p:set>
-                                      <p:cBhvr>
-                                        <p:cTn id="6" dur="1" fill="hold">
-                                          <p:stCondLst>
-                                            <p:cond delay="0"/>
-                                          </p:stCondLst>
-                                        </p:cTn>
-                                        <p:tgtEl>
-                                          <p:spTgt spid="3">
-                                            <p:txEl>
-                                              <p:pRg st="0" end="0"/>
-                                            </p:txEl>
-                                          </p:spTgt>
-                                        </p:tgtEl>
-                                        <p:attrNameLst>
-                                          <p:attrName>style.visibility</p:attrName>
-                                        </p:attrNameLst>
-                                      </p:cBhvr>
-                                      <p:to>
-                                        <p:strVal val="visible"/>
-                                      </p:to>
-                                    </p:set>
-                                    <p:animEffect transition="in" filter="fade">
-                                      <p:cBhvr>
-                                        <p:cTn id="7" dur="500"/>
-                                        <p:tgtEl>
-                                          <p:spTgt spid="3">
-                                            <p:txEl>
-                                              <p:pRg st="0" end="0"/>
-                                            </p:txEl>
-                                          </p:spTgt>
-                                        </p:tgtEl>
-                                      </p:cBhvr>
-                                    </p:animEffect>
-                                  </p:childTnLst>
-                                </p:cTn>
-                              </p:par>
-                              <p:par>
-                                <p:cTn id="8" presetID="10" presetClass="entr" presetSubtype="0" fill="hold" nodeType="withEffect">
-                                  <p:stCondLst>
-                                    <p:cond delay="0"/>
-                                  </p:stCondLst>
-                                  <p:childTnLst>
-                                    <p:set>
-                                      <p:cBhvr>
-                                        <p:cTn id="9" dur="1" fill="hold">
-                                          <p:stCondLst>
-                                            <p:cond delay="0"/>
-                                          </p:stCondLst>
-                                        </p:cTn>
-                                        <p:tgtEl>
-                                          <p:spTgt spid="3">
-                                            <p:txEl>
-                                              <p:pRg st="1" end="1"/>
-                                            </p:txEl>
-                                          </p:spTgt>
-                                        </p:tgtEl>
-                                        <p:attrNameLst>
-                                          <p:attrName>style.visibility</p:attrName>
-                                        </p:attrNameLst>
-                                      </p:cBhvr>
-                                      <p:to>
-                                        <p:strVal val="visible"/>
-                                      </p:to>
-                                    </p:set>
-                                    <p:animEffect transition="in" filter="fade">
-                                      <p:cBhvr>
-                                        <p:cTn id="10" dur="500"/>
-                                        <p:tgtEl>
-                                          <p:spTgt spid="3">
-                                            <p:txEl>
-                                              <p:pRg st="1" end="1"/>
-                                            </p:txEl>
-                                          </p:spTgt>
-                                        </p:tgtEl>
-                                      </p:cBhvr>
-                                    </p:animEffect>
-                                  </p:childTnLst>
-                                </p:cTn>
-                              </p:par>
-                              <p:par>
-                                <p:cTn id="11" presetID="10" presetClass="entr" presetSubtype="0" fill="hold" nodeType="withEffect">
-                                  <p:stCondLst>
-                                    <p:cond delay="0"/>
-                                  </p:stCondLst>
-                                  <p:childTnLst>
-                                    <p:set>
-                                      <p:cBhvr>
-                                        <p:cTn id="12" dur="1" fill="hold">
-                                          <p:stCondLst>
-                                            <p:cond delay="0"/>
-                                          </p:stCondLst>
-                                        </p:cTn>
-                                        <p:tgtEl>
-                                          <p:spTgt spid="3">
-                                            <p:txEl>
-                                              <p:pRg st="2" end="2"/>
-                                            </p:txEl>
-                                          </p:spTgt>
-                                        </p:tgtEl>
-                                        <p:attrNameLst>
-                                          <p:attrName>style.visibility</p:attrName>
-                                        </p:attrNameLst>
-                                      </p:cBhvr>
-                                      <p:to>
-                                        <p:strVal val="visible"/>
-                                      </p:to>
-                                    </p:set>
-                                    <p:animEffect transition="in" filter="fade">
-                                      <p:cBhvr>
-                                        <p:cTn id="13" dur="500"/>
-                                        <p:tgtEl>
-                                          <p:spTgt spid="3">
-                                            <p:txEl>
-                                              <p:pRg st="2" end="2"/>
-                                            </p:txEl>
-                                          </p:spTgt>
-                                        </p:tgtEl>
-                                      </p:cBhvr>
-                                    </p:animEffect>
-                                  </p:childTnLst>
-                                </p:cTn>
-                              </p:par>
-                            </p:childTnLst>
-                          </p:cTn>
-                        </p:par>
-                      </p:childTnLst>
-                    </p:cTn>
-                  </p:par>
-                </p:childTnLst>
-              </p:cTn>
-              <p:prevCondLst>
-                <p:cond evt="onPrev" delay="0">
-                  <p:tgtEl>
-                    <p:sldTgt/>
-                  </p:tgtEl>
-                </p:cond>
-              </p:prevCondLst>
-              <p:nextCondLst>
-                <p:cond evt="onNext" delay="0">
-                  <p:tgtEl>
-                    <p:sldTgt/>
-                  </p:tgtEl>
-                </p:cond>
-              </p:nextCondLst>
-            </p:seq>
-          </p:childTnLst>
-        </p:cTn>
-      </p:par>
-    </p:tnLst>
-  </p:timing>
-</p:sld>
-</file>
-
-<file path=ppt/slides/slide4.xml><?xml version="1.0" encoding="utf-8"?>
-<p:sld xmlns:a="http://schemas.openxmlformats.org/drawingml/2006/main" xmlns:r="http://schemas.openxmlformats.org/officeDocument/2006/relationships" xmlns:p="http://schemas.openxmlformats.org/presentationml/2006/main">
-  <p:cSld>
-    <p:spTree>
-      <p:nvGrpSpPr>
-        <p:cNvPr id="1" name=""/>
-        <p:cNvGrpSpPr/>
-        <p:nvPr/>
-      </p:nvGrpSpPr>
-      <p:grpSpPr>
-        <a:xfrm>
-          <a:off x="0" y="0"/>
-          <a:ext cx="0" cy="0"/>
-          <a:chOff x="0" y="0"/>
-          <a:chExt cx="0" cy="0"/>
-        </a:xfrm>
-      </p:grpSpPr>
-      <p:sp>
-        <p:nvSpPr>
-          <p:cNvPr id="2" name="Title 1">
-            <a:extLst>
-              <a:ext uri="{FF2B5EF4-FFF2-40B4-BE49-F238E27FC236}">
-                <a16:creationId xmlns:a16="http://schemas.microsoft.com/office/drawing/2014/main" id="{C471F791-5ADE-4D13-BC78-84BD80A580A0}"/>
-              </a:ext>
-            </a:extLst>
-          </p:cNvPr>
-          <p:cNvSpPr>
-            <a:spLocks noGrp="1"/>
-          </p:cNvSpPr>
-          <p:nvPr>
-            <p:ph type="title"/>
-          </p:nvPr>
-        </p:nvSpPr>
-        <p:spPr/>
-        <p:txBody>
-          <a:bodyPr>
-            <a:normAutofit/>
-          </a:bodyPr>
-          <a:lstStyle/>
-          <a:p>
-            <a:r>
-              <a:rPr lang="en-IE" dirty="0"/>
-              <a:t>Example: Using Schema Methods for Simple Authentication</a:t>
-            </a:r>
-          </a:p>
-        </p:txBody>
-      </p:sp>
-      <p:sp>
-        <p:nvSpPr>
-          <p:cNvPr id="3" name="Content Placeholder 2">
-            <a:extLst>
-              <a:ext uri="{FF2B5EF4-FFF2-40B4-BE49-F238E27FC236}">
-                <a16:creationId xmlns:a16="http://schemas.microsoft.com/office/drawing/2014/main" id="{0765EDC5-4F0F-45EA-B752-E7F84CE835CA}"/>
-              </a:ext>
-            </a:extLst>
-          </p:cNvPr>
-          <p:cNvSpPr>
-            <a:spLocks noGrp="1"/>
-          </p:cNvSpPr>
-          <p:nvPr>
-            <p:ph idx="1"/>
-          </p:nvPr>
-        </p:nvSpPr>
-        <p:spPr/>
-        <p:txBody>
-          <a:bodyPr/>
-          <a:lstStyle/>
-          <a:p>
-            <a:r>
-              <a:rPr lang="en-IE" dirty="0"/>
-              <a:t>Restrict access to API (require authentication):</a:t>
-            </a:r>
-          </a:p>
-          <a:p>
-            <a:pPr lvl="1"/>
-            <a:r>
-              <a:rPr lang="en-IE" dirty="0"/>
-              <a:t>Create users schema with methods for</a:t>
-            </a:r>
-          </a:p>
-          <a:p>
-            <a:pPr lvl="2"/>
-            <a:r>
-              <a:rPr lang="en-IE" dirty="0"/>
-              <a:t>Finding users</a:t>
-            </a:r>
-          </a:p>
-          <a:p>
-            <a:pPr lvl="2"/>
-            <a:r>
-              <a:rPr lang="en-IE" dirty="0"/>
-              <a:t>Checking password</a:t>
-            </a:r>
-          </a:p>
-          <a:p>
-            <a:pPr lvl="1"/>
-            <a:r>
-              <a:rPr lang="en-IE" dirty="0"/>
-              <a:t>Use </a:t>
-            </a:r>
-            <a:r>
-              <a:rPr lang="en-IE" b="1" dirty="0"/>
-              <a:t>express-session</a:t>
-            </a:r>
-            <a:r>
-              <a:rPr lang="en-IE" dirty="0"/>
-              <a:t> middleware to create and manage user session (using cookies)</a:t>
-            </a:r>
-          </a:p>
-          <a:p>
-            <a:pPr lvl="1"/>
-            <a:r>
-              <a:rPr lang="en-IE" dirty="0"/>
-              <a:t>Create an authentication route to set up “session”</a:t>
-            </a:r>
-          </a:p>
-          <a:p>
-            <a:pPr lvl="1"/>
-            <a:r>
-              <a:rPr lang="en-IE" dirty="0"/>
-              <a:t>Create your own authentication middleware and place it on /</a:t>
-            </a:r>
-            <a:r>
-              <a:rPr lang="en-IE" dirty="0" err="1"/>
-              <a:t>api</a:t>
-            </a:r>
-            <a:r>
-              <a:rPr lang="en-IE" dirty="0"/>
-              <a:t>/movies route</a:t>
-            </a:r>
-          </a:p>
-        </p:txBody>
-      </p:sp>
-    </p:spTree>
-    <p:extLst>
-      <p:ext uri="{BB962C8B-B14F-4D97-AF65-F5344CB8AC3E}">
-        <p14:creationId xmlns:p14="http://schemas.microsoft.com/office/powerpoint/2010/main" val="425759060"/>
-      </p:ext>
-    </p:extLst>
-  </p:cSld>
-  <p:clrMapOvr>
-    <a:masterClrMapping/>
-  </p:clrMapOvr>
-</p:sld>
-</file>
-
-<file path=ppt/slides/slide40.xml><?xml version="1.0" encoding="utf-8"?>
-<p:sld xmlns:a="http://schemas.openxmlformats.org/drawingml/2006/main" xmlns:r="http://schemas.openxmlformats.org/officeDocument/2006/relationships" xmlns:p="http://schemas.openxmlformats.org/presentationml/2006/main">
-  <p:cSld>
-    <p:spTree>
-      <p:nvGrpSpPr>
-        <p:cNvPr id="1" name=""/>
-        <p:cNvGrpSpPr/>
-        <p:nvPr/>
-      </p:nvGrpSpPr>
-      <p:grpSpPr>
-        <a:xfrm>
-          <a:off x="0" y="0"/>
-          <a:ext cx="0" cy="0"/>
-          <a:chOff x="0" y="0"/>
-          <a:chExt cx="0" cy="0"/>
-        </a:xfrm>
-      </p:grpSpPr>
-      <p:sp>
-        <p:nvSpPr>
-          <p:cNvPr id="2" name="Title 1">
-            <a:extLst>
-              <a:ext uri="{FF2B5EF4-FFF2-40B4-BE49-F238E27FC236}">
-                <a16:creationId xmlns:a16="http://schemas.microsoft.com/office/drawing/2014/main" id="{86675BC8-00B9-4232-A836-8936A6769930}"/>
-              </a:ext>
-            </a:extLst>
-          </p:cNvPr>
-          <p:cNvSpPr>
-            <a:spLocks noGrp="1"/>
-          </p:cNvSpPr>
-          <p:nvPr>
-            <p:ph type="title"/>
-          </p:nvPr>
-        </p:nvSpPr>
-        <p:spPr/>
-        <p:txBody>
-          <a:bodyPr/>
-          <a:lstStyle/>
-          <a:p>
-            <a:r>
-              <a:rPr lang="en-IE" dirty="0"/>
-              <a:t>Use Context Provider in React App</a:t>
-            </a:r>
-          </a:p>
-        </p:txBody>
-      </p:sp>
-      <p:sp>
-        <p:nvSpPr>
-          <p:cNvPr id="3" name="Content Placeholder 2">
-            <a:extLst>
-              <a:ext uri="{FF2B5EF4-FFF2-40B4-BE49-F238E27FC236}">
-                <a16:creationId xmlns:a16="http://schemas.microsoft.com/office/drawing/2014/main" id="{C48AF6A5-C25C-44FF-BE8B-73B43AAA3DBE}"/>
-              </a:ext>
-            </a:extLst>
-          </p:cNvPr>
-          <p:cNvSpPr>
-            <a:spLocks noGrp="1"/>
-          </p:cNvSpPr>
-          <p:nvPr>
-            <p:ph idx="1"/>
-          </p:nvPr>
-        </p:nvSpPr>
-        <p:spPr/>
-        <p:txBody>
-          <a:bodyPr/>
-          <a:lstStyle/>
-          <a:p>
-            <a:endParaRPr lang="en-IE"/>
-          </a:p>
-        </p:txBody>
-      </p:sp>
-      <p:pic>
-        <p:nvPicPr>
-          <p:cNvPr id="4" name="Picture 3">
-            <a:extLst>
-              <a:ext uri="{FF2B5EF4-FFF2-40B4-BE49-F238E27FC236}">
-                <a16:creationId xmlns:a16="http://schemas.microsoft.com/office/drawing/2014/main" id="{48027086-F1DB-48CD-91B0-6D5385F932FB}"/>
-              </a:ext>
-            </a:extLst>
-          </p:cNvPr>
-          <p:cNvPicPr>
-            <a:picLocks noChangeAspect="1"/>
-          </p:cNvPicPr>
-          <p:nvPr/>
-        </p:nvPicPr>
-        <p:blipFill>
-          <a:blip r:embed="rId2"/>
-          <a:stretch>
-            <a:fillRect/>
-          </a:stretch>
-        </p:blipFill>
-        <p:spPr>
-          <a:xfrm>
-            <a:off x="256592" y="1424507"/>
-            <a:ext cx="6136885" cy="4211281"/>
-          </a:xfrm>
-          <a:prstGeom prst="rect">
-            <a:avLst/>
-          </a:prstGeom>
-        </p:spPr>
-      </p:pic>
-      <p:pic>
-        <p:nvPicPr>
-          <p:cNvPr id="5" name="Picture 4">
-            <a:extLst>
-              <a:ext uri="{FF2B5EF4-FFF2-40B4-BE49-F238E27FC236}">
-                <a16:creationId xmlns:a16="http://schemas.microsoft.com/office/drawing/2014/main" id="{434F632B-87EF-4987-A7B0-FE6B9513D581}"/>
-              </a:ext>
-            </a:extLst>
-          </p:cNvPr>
-          <p:cNvPicPr>
-            <a:picLocks noChangeAspect="1"/>
-          </p:cNvPicPr>
-          <p:nvPr/>
-        </p:nvPicPr>
-        <p:blipFill>
-          <a:blip r:embed="rId3"/>
-          <a:stretch>
-            <a:fillRect/>
-          </a:stretch>
-        </p:blipFill>
-        <p:spPr>
-          <a:xfrm>
-            <a:off x="4953583" y="2111375"/>
-            <a:ext cx="6981825" cy="4381500"/>
-          </a:xfrm>
-          <a:prstGeom prst="rect">
-            <a:avLst/>
-          </a:prstGeom>
-        </p:spPr>
-      </p:pic>
-      <p:sp>
-        <p:nvSpPr>
-          <p:cNvPr id="6" name="Callout: Line 5">
-            <a:extLst>
-              <a:ext uri="{FF2B5EF4-FFF2-40B4-BE49-F238E27FC236}">
-                <a16:creationId xmlns:a16="http://schemas.microsoft.com/office/drawing/2014/main" id="{AA870C2B-AAD8-4DB5-B638-76B8CDDF8231}"/>
-              </a:ext>
-            </a:extLst>
-          </p:cNvPr>
-          <p:cNvSpPr/>
-          <p:nvPr/>
-        </p:nvSpPr>
-        <p:spPr>
-          <a:xfrm>
-            <a:off x="2381444" y="2937604"/>
-            <a:ext cx="1917018" cy="2127380"/>
-          </a:xfrm>
-          <a:prstGeom prst="borderCallout1">
-            <a:avLst>
-              <a:gd name="adj1" fmla="val 9933"/>
-              <a:gd name="adj2" fmla="val 108392"/>
-              <a:gd name="adj3" fmla="val -27468"/>
-              <a:gd name="adj4" fmla="val 262124"/>
-            </a:avLst>
-          </a:prstGeom>
-        </p:spPr>
-        <p:style>
-          <a:lnRef idx="2">
-            <a:schemeClr val="accent1">
-              <a:shade val="50000"/>
-            </a:schemeClr>
-          </a:lnRef>
-          <a:fillRef idx="1">
-            <a:schemeClr val="accent1"/>
-          </a:fillRef>
-          <a:effectRef idx="0">
-            <a:schemeClr val="accent1"/>
-          </a:effectRef>
-          <a:fontRef idx="minor">
-            <a:schemeClr val="lt1"/>
-          </a:fontRef>
-        </p:style>
-        <p:txBody>
-          <a:bodyPr rtlCol="0" anchor="ctr"/>
-          <a:lstStyle/>
-          <a:p>
-            <a:pPr algn="ctr"/>
-            <a:r>
-              <a:rPr lang="en-IE" dirty="0"/>
-              <a:t>Import context and use it to check authentication status</a:t>
-            </a:r>
-          </a:p>
-        </p:txBody>
-      </p:sp>
-    </p:spTree>
-    <p:extLst>
-      <p:ext uri="{BB962C8B-B14F-4D97-AF65-F5344CB8AC3E}">
-        <p14:creationId xmlns:p14="http://schemas.microsoft.com/office/powerpoint/2010/main" val="2683833193"/>
-      </p:ext>
-    </p:extLst>
-  </p:cSld>
-  <p:clrMapOvr>
-    <a:masterClrMapping/>
-  </p:clrMapOvr>
-</p:sld>
-</file>
-
-<file path=ppt/slides/slide41.xml><?xml version="1.0" encoding="utf-8"?>
-<p:sld xmlns:a="http://schemas.openxmlformats.org/drawingml/2006/main" xmlns:r="http://schemas.openxmlformats.org/officeDocument/2006/relationships" xmlns:p="http://schemas.openxmlformats.org/presentationml/2006/main">
-  <p:cSld>
-    <p:bg>
-      <p:bgPr>
-        <a:solidFill>
-          <a:schemeClr val="bg1"/>
-        </a:solidFill>
-        <a:effectLst/>
-      </p:bgPr>
-    </p:bg>
-    <p:spTree>
-      <p:nvGrpSpPr>
-        <p:cNvPr id="1" name=""/>
-        <p:cNvGrpSpPr/>
-        <p:nvPr/>
-      </p:nvGrpSpPr>
-      <p:grpSpPr>
-        <a:xfrm>
-          <a:off x="0" y="0"/>
-          <a:ext cx="0" cy="0"/>
-          <a:chOff x="0" y="0"/>
-          <a:chExt cx="0" cy="0"/>
-        </a:xfrm>
-      </p:grpSpPr>
-      <p:pic>
-        <p:nvPicPr>
-          <p:cNvPr id="12" name="Picture 11">
-            <a:extLst>
-              <a:ext uri="{FF2B5EF4-FFF2-40B4-BE49-F238E27FC236}">
-                <a16:creationId xmlns:a16="http://schemas.microsoft.com/office/drawing/2014/main" id="{376ADF63-742F-404B-8DE1-DA2663190C14}"/>
-              </a:ext>
-            </a:extLst>
-          </p:cNvPr>
-          <p:cNvPicPr>
-            <a:picLocks noChangeAspect="1"/>
-          </p:cNvPicPr>
-          <p:nvPr/>
-        </p:nvPicPr>
-        <p:blipFill>
-          <a:blip r:embed="rId3"/>
-          <a:stretch>
-            <a:fillRect/>
-          </a:stretch>
-        </p:blipFill>
-        <p:spPr>
-          <a:xfrm>
-            <a:off x="336883" y="4947921"/>
-            <a:ext cx="5362575" cy="1104900"/>
-          </a:xfrm>
-          <a:prstGeom prst="rect">
-            <a:avLst/>
-          </a:prstGeom>
-        </p:spPr>
-      </p:pic>
-      <p:sp>
-        <p:nvSpPr>
-          <p:cNvPr id="15" name="Rectangle 16">
-            <a:extLst>
-              <a:ext uri="{FF2B5EF4-FFF2-40B4-BE49-F238E27FC236}">
-                <a16:creationId xmlns:a16="http://schemas.microsoft.com/office/drawing/2014/main" id="{E02F3C71-C981-4614-98EA-D6C494F8091E}"/>
-              </a:ext>
-            </a:extLst>
-          </p:cNvPr>
-          <p:cNvSpPr>
-            <a:spLocks noGrp="1" noRot="1" noChangeAspect="1" noMove="1" noResize="1" noEditPoints="1" noAdjustHandles="1" noChangeArrowheads="1" noChangeShapeType="1" noTextEdit="1"/>
-          </p:cNvSpPr>
-          <p:nvPr>
-            <p:extLst>
-              <p:ext uri="{386F3935-93C4-4BCD-93E2-E3B085C9AB24}">
-                <p16:designElem xmlns:p16="http://schemas.microsoft.com/office/powerpoint/2015/main" val="1"/>
-              </p:ext>
-            </p:extLst>
-          </p:nvPr>
-        </p:nvSpPr>
-        <p:spPr bwMode="ltGray">
-          <a:xfrm>
-            <a:off x="336883" y="321176"/>
-            <a:ext cx="7174247" cy="3473974"/>
-          </a:xfrm>
-          <a:prstGeom prst="rect">
-            <a:avLst/>
-          </a:prstGeom>
-          <a:solidFill>
-            <a:schemeClr val="tx1">
-              <a:alpha val="15000"/>
-            </a:schemeClr>
-          </a:solidFill>
-          <a:ln w="127000" cap="sq" cmpd="thinThick">
-            <a:solidFill>
-              <a:schemeClr val="tx1">
-                <a:alpha val="10000"/>
-              </a:schemeClr>
-            </a:solidFill>
-          </a:ln>
-        </p:spPr>
-        <p:style>
-          <a:lnRef idx="2">
-            <a:schemeClr val="accent1">
-              <a:shade val="50000"/>
-            </a:schemeClr>
-          </a:lnRef>
-          <a:fillRef idx="1">
-            <a:schemeClr val="accent1"/>
-          </a:fillRef>
-          <a:effectRef idx="0">
-            <a:schemeClr val="accent1"/>
-          </a:effectRef>
-          <a:fontRef idx="minor">
-            <a:schemeClr val="lt1"/>
-          </a:fontRef>
-        </p:style>
-        <p:txBody>
-          <a:bodyPr rtlCol="0" anchor="ctr"/>
-          <a:lstStyle/>
-          <a:p>
-            <a:pPr algn="ctr"/>
-            <a:endParaRPr lang="en-US"/>
-          </a:p>
-        </p:txBody>
-      </p:sp>
-      <p:sp>
-        <p:nvSpPr>
-          <p:cNvPr id="2" name="Title 1">
-            <a:extLst>
-              <a:ext uri="{FF2B5EF4-FFF2-40B4-BE49-F238E27FC236}">
-                <a16:creationId xmlns:a16="http://schemas.microsoft.com/office/drawing/2014/main" id="{08420261-C22D-4536-8587-F743AC4691DE}"/>
-              </a:ext>
-            </a:extLst>
-          </p:cNvPr>
-          <p:cNvSpPr>
-            <a:spLocks noGrp="1"/>
-          </p:cNvSpPr>
-          <p:nvPr>
-            <p:ph type="title"/>
-          </p:nvPr>
-        </p:nvSpPr>
-        <p:spPr>
-          <a:xfrm>
-            <a:off x="821516" y="640263"/>
-            <a:ext cx="6204984" cy="1344975"/>
-          </a:xfrm>
-        </p:spPr>
-        <p:txBody>
-          <a:bodyPr>
-            <a:normAutofit/>
-          </a:bodyPr>
-          <a:lstStyle/>
-          <a:p>
-            <a:r>
-              <a:rPr lang="en-US" sz="4000" dirty="0"/>
-              <a:t>Login/Register Component</a:t>
-            </a:r>
-          </a:p>
-        </p:txBody>
-      </p:sp>
-      <p:sp>
-        <p:nvSpPr>
-          <p:cNvPr id="3" name="Content Placeholder 2">
-            <a:extLst>
-              <a:ext uri="{FF2B5EF4-FFF2-40B4-BE49-F238E27FC236}">
-                <a16:creationId xmlns:a16="http://schemas.microsoft.com/office/drawing/2014/main" id="{BCCF9D73-17A1-4DDD-88D3-3D556D7A203A}"/>
-              </a:ext>
-            </a:extLst>
-          </p:cNvPr>
-          <p:cNvSpPr>
-            <a:spLocks noGrp="1"/>
-          </p:cNvSpPr>
-          <p:nvPr>
-            <p:ph idx="1"/>
-          </p:nvPr>
-        </p:nvSpPr>
-        <p:spPr>
-          <a:xfrm>
-            <a:off x="821515" y="2121762"/>
-            <a:ext cx="6498060" cy="3626917"/>
-          </a:xfrm>
-        </p:spPr>
-        <p:txBody>
-          <a:bodyPr vert="horz" lIns="91440" tIns="45720" rIns="91440" bIns="45720" rtlCol="0" anchor="t">
-            <a:normAutofit/>
-          </a:bodyPr>
-          <a:lstStyle/>
-          <a:p>
-            <a:r>
-              <a:rPr lang="en-US" sz="2400" dirty="0">
-                <a:cs typeface="Calibri"/>
-              </a:rPr>
-              <a:t>Add to App router (in index.js)</a:t>
-            </a:r>
-            <a:endParaRPr lang="en-US" dirty="0">
-              <a:cs typeface="Calibri"/>
-            </a:endParaRPr>
-          </a:p>
-          <a:p>
-            <a:endParaRPr lang="en-US" sz="2400" dirty="0">
-              <a:cs typeface="Calibri"/>
-            </a:endParaRPr>
-          </a:p>
-        </p:txBody>
-      </p:sp>
-      <p:sp>
-        <p:nvSpPr>
-          <p:cNvPr id="18" name="Rectangle: Rounded Corners 17">
-            <a:extLst>
-              <a:ext uri="{FF2B5EF4-FFF2-40B4-BE49-F238E27FC236}">
-                <a16:creationId xmlns:a16="http://schemas.microsoft.com/office/drawing/2014/main" id="{DDB29987-D745-4492-B76E-6F9D37EBCC16}"/>
-              </a:ext>
-            </a:extLst>
-          </p:cNvPr>
-          <p:cNvSpPr/>
-          <p:nvPr/>
-        </p:nvSpPr>
-        <p:spPr>
-          <a:xfrm>
-            <a:off x="336883" y="5370439"/>
-            <a:ext cx="4706200" cy="514763"/>
-          </a:xfrm>
-          <a:prstGeom prst="roundRect">
-            <a:avLst/>
-          </a:prstGeom>
-          <a:noFill/>
-          <a:ln w="28575">
-            <a:solidFill>
-              <a:srgbClr val="FF0000"/>
-            </a:solidFill>
-          </a:ln>
-        </p:spPr>
-        <p:style>
-          <a:lnRef idx="2">
-            <a:schemeClr val="accent1">
-              <a:shade val="50000"/>
-            </a:schemeClr>
-          </a:lnRef>
-          <a:fillRef idx="1">
-            <a:schemeClr val="accent1"/>
-          </a:fillRef>
-          <a:effectRef idx="0">
-            <a:schemeClr val="accent1"/>
-          </a:effectRef>
-          <a:fontRef idx="minor">
-            <a:schemeClr val="lt1"/>
-          </a:fontRef>
-        </p:style>
-        <p:txBody>
-          <a:bodyPr rtlCol="0" anchor="ctr"/>
-          <a:lstStyle/>
-          <a:p>
-            <a:pPr algn="ctr"/>
-            <a:endParaRPr lang="en-US"/>
-          </a:p>
-        </p:txBody>
-      </p:sp>
-      <p:sp>
-        <p:nvSpPr>
-          <p:cNvPr id="11" name="Arrow: Down 10">
-            <a:extLst>
-              <a:ext uri="{FF2B5EF4-FFF2-40B4-BE49-F238E27FC236}">
-                <a16:creationId xmlns:a16="http://schemas.microsoft.com/office/drawing/2014/main" id="{25F1D0C1-B976-45E8-825D-5352D80C5DC3}"/>
-              </a:ext>
-            </a:extLst>
-          </p:cNvPr>
-          <p:cNvSpPr/>
-          <p:nvPr/>
-        </p:nvSpPr>
-        <p:spPr>
-          <a:xfrm>
-            <a:off x="9431676" y="3543337"/>
-            <a:ext cx="588818" cy="297873"/>
-          </a:xfrm>
-          <a:prstGeom prst="downArrow">
-            <a:avLst/>
-          </a:prstGeom>
-        </p:spPr>
-        <p:style>
-          <a:lnRef idx="2">
-            <a:schemeClr val="accent1">
-              <a:shade val="50000"/>
-            </a:schemeClr>
-          </a:lnRef>
-          <a:fillRef idx="1">
-            <a:schemeClr val="accent1"/>
-          </a:fillRef>
-          <a:effectRef idx="0">
-            <a:schemeClr val="accent1"/>
-          </a:effectRef>
-          <a:fontRef idx="minor">
-            <a:schemeClr val="lt1"/>
-          </a:fontRef>
-        </p:style>
-        <p:txBody>
-          <a:bodyPr rtlCol="0" anchor="ctr"/>
-          <a:lstStyle/>
-          <a:p>
-            <a:pPr algn="ctr"/>
-            <a:endParaRPr lang="en-IE"/>
-          </a:p>
-        </p:txBody>
-      </p:sp>
-      <p:sp>
-        <p:nvSpPr>
-          <p:cNvPr id="14" name="Arrow: Down 13">
-            <a:extLst>
-              <a:ext uri="{FF2B5EF4-FFF2-40B4-BE49-F238E27FC236}">
-                <a16:creationId xmlns:a16="http://schemas.microsoft.com/office/drawing/2014/main" id="{1365E3FB-906E-4B1F-9530-BF1121C8D262}"/>
-              </a:ext>
-            </a:extLst>
-          </p:cNvPr>
-          <p:cNvSpPr/>
-          <p:nvPr/>
-        </p:nvSpPr>
-        <p:spPr>
-          <a:xfrm rot="16200000">
-            <a:off x="6678282" y="4652345"/>
-            <a:ext cx="588818" cy="1297963"/>
-          </a:xfrm>
-          <a:prstGeom prst="downArrow">
-            <a:avLst/>
-          </a:prstGeom>
-        </p:spPr>
-        <p:style>
-          <a:lnRef idx="2">
-            <a:schemeClr val="accent1">
-              <a:shade val="50000"/>
-            </a:schemeClr>
-          </a:lnRef>
-          <a:fillRef idx="1">
-            <a:schemeClr val="accent1"/>
-          </a:fillRef>
-          <a:effectRef idx="0">
-            <a:schemeClr val="accent1"/>
-          </a:effectRef>
-          <a:fontRef idx="minor">
-            <a:schemeClr val="lt1"/>
-          </a:fontRef>
-        </p:style>
-        <p:txBody>
-          <a:bodyPr rtlCol="0" anchor="ctr"/>
-          <a:lstStyle/>
-          <a:p>
-            <a:pPr algn="ctr"/>
-            <a:endParaRPr lang="en-IE"/>
-          </a:p>
-        </p:txBody>
-      </p:sp>
-      <p:pic>
-        <p:nvPicPr>
-          <p:cNvPr id="5" name="Picture 4">
-            <a:extLst>
-              <a:ext uri="{FF2B5EF4-FFF2-40B4-BE49-F238E27FC236}">
-                <a16:creationId xmlns:a16="http://schemas.microsoft.com/office/drawing/2014/main" id="{25D0F621-A48C-44AF-99F6-C36000410D40}"/>
-              </a:ext>
-            </a:extLst>
-          </p:cNvPr>
-          <p:cNvPicPr>
-            <a:picLocks noChangeAspect="1"/>
-          </p:cNvPicPr>
-          <p:nvPr/>
-        </p:nvPicPr>
-        <p:blipFill>
-          <a:blip r:embed="rId4"/>
-          <a:stretch>
-            <a:fillRect/>
-          </a:stretch>
-        </p:blipFill>
-        <p:spPr>
-          <a:xfrm>
-            <a:off x="8278047" y="3854611"/>
-            <a:ext cx="3092438" cy="3003389"/>
-          </a:xfrm>
-          <a:prstGeom prst="rect">
-            <a:avLst/>
-          </a:prstGeom>
-        </p:spPr>
-      </p:pic>
-      <p:pic>
-        <p:nvPicPr>
-          <p:cNvPr id="7" name="Picture 6">
-            <a:extLst>
-              <a:ext uri="{FF2B5EF4-FFF2-40B4-BE49-F238E27FC236}">
-                <a16:creationId xmlns:a16="http://schemas.microsoft.com/office/drawing/2014/main" id="{E9EA660F-E9BD-4E02-B605-B79560149E48}"/>
-              </a:ext>
-            </a:extLst>
-          </p:cNvPr>
-          <p:cNvPicPr>
-            <a:picLocks noChangeAspect="1"/>
-          </p:cNvPicPr>
-          <p:nvPr/>
-        </p:nvPicPr>
-        <p:blipFill>
-          <a:blip r:embed="rId5"/>
-          <a:stretch>
-            <a:fillRect/>
-          </a:stretch>
-        </p:blipFill>
-        <p:spPr>
-          <a:xfrm>
-            <a:off x="8208239" y="147559"/>
-            <a:ext cx="3232053" cy="3395778"/>
-          </a:xfrm>
-          <a:prstGeom prst="rect">
-            <a:avLst/>
-          </a:prstGeom>
-        </p:spPr>
-      </p:pic>
-      <p:pic>
-        <p:nvPicPr>
-          <p:cNvPr id="9" name="Picture 8">
-            <a:extLst>
-              <a:ext uri="{FF2B5EF4-FFF2-40B4-BE49-F238E27FC236}">
-                <a16:creationId xmlns:a16="http://schemas.microsoft.com/office/drawing/2014/main" id="{A91D59F6-EFCD-4980-97E9-0992CE249291}"/>
-              </a:ext>
-            </a:extLst>
-          </p:cNvPr>
-          <p:cNvPicPr>
-            <a:picLocks noChangeAspect="1"/>
-          </p:cNvPicPr>
-          <p:nvPr/>
-        </p:nvPicPr>
-        <p:blipFill>
-          <a:blip r:embed="rId6"/>
-          <a:stretch>
-            <a:fillRect/>
-          </a:stretch>
-        </p:blipFill>
-        <p:spPr>
-          <a:xfrm>
-            <a:off x="518708" y="4177127"/>
-            <a:ext cx="4524375" cy="476250"/>
-          </a:xfrm>
-          <a:prstGeom prst="rect">
-            <a:avLst/>
-          </a:prstGeom>
-        </p:spPr>
-      </p:pic>
-    </p:spTree>
-    <p:extLst>
-      <p:ext uri="{BB962C8B-B14F-4D97-AF65-F5344CB8AC3E}">
-        <p14:creationId xmlns:p14="http://schemas.microsoft.com/office/powerpoint/2010/main" val="2710292892"/>
-      </p:ext>
-    </p:extLst>
-  </p:cSld>
-  <p:clrMapOvr>
-    <a:masterClrMapping/>
-  </p:clrMapOvr>
-  <p:timing>
-    <p:tnLst>
-      <p:par>
-        <p:cTn id="1" dur="indefinite" restart="never" nodeType="tmRoot">
-          <p:childTnLst>
-            <p:seq concurrent="1" nextAc="seek">
-              <p:cTn id="2" dur="indefinite" nodeType="mainSeq">
-                <p:childTnLst>
-                  <p:par>
-                    <p:cTn id="3" fill="hold">
-                      <p:stCondLst>
-                        <p:cond delay="indefinite"/>
-                      </p:stCondLst>
-                      <p:childTnLst>
-                        <p:par>
-                          <p:cTn id="4" fill="hold">
-                            <p:stCondLst>
-                              <p:cond delay="0"/>
-                            </p:stCondLst>
-                            <p:childTnLst>
-                              <p:par>
-                                <p:cTn id="5" presetID="10" presetClass="entr" presetSubtype="0" fill="hold" nodeType="clickEffect">
-                                  <p:stCondLst>
-                                    <p:cond delay="0"/>
-                                  </p:stCondLst>
-                                  <p:childTnLst>
-                                    <p:set>
-                                      <p:cBhvr>
-                                        <p:cTn id="6" dur="1" fill="hold">
-                                          <p:stCondLst>
-                                            <p:cond delay="0"/>
-                                          </p:stCondLst>
-                                        </p:cTn>
-                                        <p:tgtEl>
-                                          <p:spTgt spid="3">
-                                            <p:txEl>
-                                              <p:pRg st="0" end="0"/>
-                                            </p:txEl>
-                                          </p:spTgt>
-                                        </p:tgtEl>
-                                        <p:attrNameLst>
-                                          <p:attrName>style.visibility</p:attrName>
-                                        </p:attrNameLst>
-                                      </p:cBhvr>
-                                      <p:to>
-                                        <p:strVal val="visible"/>
-                                      </p:to>
-                                    </p:set>
-                                    <p:animEffect transition="in" filter="fade">
-                                      <p:cBhvr>
-                                        <p:cTn id="7" dur="500"/>
-                                        <p:tgtEl>
-                                          <p:spTgt spid="3">
-                                            <p:txEl>
-                                              <p:pRg st="0" end="0"/>
-                                            </p:txEl>
-                                          </p:spTgt>
-                                        </p:tgtEl>
-                                      </p:cBhvr>
-                                    </p:animEffect>
-                                  </p:childTnLst>
-                                </p:cTn>
-                              </p:par>
-                              <p:par>
-                                <p:cTn id="8" presetID="10" presetClass="entr" presetSubtype="0" fill="hold" grpId="0" nodeType="withEffect">
-                                  <p:stCondLst>
-                                    <p:cond delay="0"/>
-                                  </p:stCondLst>
-                                  <p:childTnLst>
-                                    <p:set>
-                                      <p:cBhvr>
-                                        <p:cTn id="9" dur="1" fill="hold">
-                                          <p:stCondLst>
-                                            <p:cond delay="0"/>
-                                          </p:stCondLst>
-                                        </p:cTn>
-                                        <p:tgtEl>
-                                          <p:spTgt spid="18"/>
-                                        </p:tgtEl>
-                                        <p:attrNameLst>
-                                          <p:attrName>style.visibility</p:attrName>
-                                        </p:attrNameLst>
-                                      </p:cBhvr>
-                                      <p:to>
-                                        <p:strVal val="visible"/>
-                                      </p:to>
-                                    </p:set>
-                                    <p:animEffect transition="in" filter="fade">
-                                      <p:cBhvr>
-                                        <p:cTn id="10" dur="500"/>
-                                        <p:tgtEl>
-                                          <p:spTgt spid="18"/>
-                                        </p:tgtEl>
-                                      </p:cBhvr>
-                                    </p:animEffect>
-                                  </p:childTnLst>
-                                </p:cTn>
-                              </p:par>
-                            </p:childTnLst>
-                          </p:cTn>
-                        </p:par>
-                      </p:childTnLst>
-                    </p:cTn>
-                  </p:par>
-                  <p:par>
-                    <p:cTn id="11" fill="hold">
-                      <p:stCondLst>
-                        <p:cond delay="indefinite"/>
-                      </p:stCondLst>
-                      <p:childTnLst>
-                        <p:par>
-                          <p:cTn id="12" fill="hold">
-                            <p:stCondLst>
-                              <p:cond delay="0"/>
-                            </p:stCondLst>
-                            <p:childTnLst>
-                              <p:par>
-                                <p:cTn id="13" presetID="10" presetClass="entr" presetSubtype="0" fill="hold" grpId="0" nodeType="clickEffect">
-                                  <p:stCondLst>
-                                    <p:cond delay="0"/>
-                                  </p:stCondLst>
-                                  <p:childTnLst>
-                                    <p:set>
-                                      <p:cBhvr>
-                                        <p:cTn id="14" dur="1" fill="hold">
-                                          <p:stCondLst>
-                                            <p:cond delay="0"/>
-                                          </p:stCondLst>
-                                        </p:cTn>
-                                        <p:tgtEl>
-                                          <p:spTgt spid="14"/>
-                                        </p:tgtEl>
-                                        <p:attrNameLst>
-                                          <p:attrName>style.visibility</p:attrName>
-                                        </p:attrNameLst>
-                                      </p:cBhvr>
-                                      <p:to>
-                                        <p:strVal val="visible"/>
-                                      </p:to>
-                                    </p:set>
-                                    <p:animEffect transition="in" filter="fade">
-                                      <p:cBhvr>
-                                        <p:cTn id="15" dur="500"/>
-                                        <p:tgtEl>
-                                          <p:spTgt spid="14"/>
-                                        </p:tgtEl>
-                                      </p:cBhvr>
-                                    </p:animEffect>
-                                  </p:childTnLst>
-                                </p:cTn>
-                              </p:par>
-                              <p:par>
-                                <p:cTn id="16" presetID="10" presetClass="entr" presetSubtype="0" fill="hold" grpId="0" nodeType="withEffect">
-                                  <p:stCondLst>
-                                    <p:cond delay="0"/>
-                                  </p:stCondLst>
-                                  <p:childTnLst>
-                                    <p:set>
-                                      <p:cBhvr>
-                                        <p:cTn id="17" dur="1" fill="hold">
-                                          <p:stCondLst>
-                                            <p:cond delay="0"/>
-                                          </p:stCondLst>
-                                        </p:cTn>
-                                        <p:tgtEl>
-                                          <p:spTgt spid="11"/>
-                                        </p:tgtEl>
-                                        <p:attrNameLst>
-                                          <p:attrName>style.visibility</p:attrName>
-                                        </p:attrNameLst>
-                                      </p:cBhvr>
-                                      <p:to>
-                                        <p:strVal val="visible"/>
-                                      </p:to>
-                                    </p:set>
-                                    <p:animEffect transition="in" filter="fade">
-                                      <p:cBhvr>
-                                        <p:cTn id="18" dur="500"/>
-                                        <p:tgtEl>
-                                          <p:spTgt spid="11"/>
-                                        </p:tgtEl>
-                                      </p:cBhvr>
-                                    </p:animEffect>
-                                  </p:childTnLst>
-                                </p:cTn>
-                              </p:par>
-                            </p:childTnLst>
-                          </p:cTn>
-                        </p:par>
-                      </p:childTnLst>
-                    </p:cTn>
-                  </p:par>
-                </p:childTnLst>
-              </p:cTn>
-              <p:prevCondLst>
-                <p:cond evt="onPrev" delay="0">
-                  <p:tgtEl>
-                    <p:sldTgt/>
-                  </p:tgtEl>
-                </p:cond>
-              </p:prevCondLst>
-              <p:nextCondLst>
-                <p:cond evt="onNext" delay="0">
-                  <p:tgtEl>
-                    <p:sldTgt/>
-                  </p:tgtEl>
-                </p:cond>
-              </p:nextCondLst>
-            </p:seq>
-          </p:childTnLst>
-        </p:cTn>
-      </p:par>
-    </p:tnLst>
-    <p:bldLst>
-      <p:bldP spid="18" grpId="0" animBg="1"/>
-      <p:bldP spid="11" grpId="0" animBg="1"/>
-      <p:bldP spid="14" grpId="0" animBg="1"/>
-    </p:bldLst>
-  </p:timing>
-</p:sld>
-</file>
-
-<file path=ppt/slides/slide42.xml><?xml version="1.0" encoding="utf-8"?>
-<p:sld xmlns:a="http://schemas.openxmlformats.org/drawingml/2006/main" xmlns:r="http://schemas.openxmlformats.org/officeDocument/2006/relationships" xmlns:p="http://schemas.openxmlformats.org/presentationml/2006/main">
-  <p:cSld>
-    <p:spTree>
-      <p:nvGrpSpPr>
-        <p:cNvPr id="1" name=""/>
-        <p:cNvGrpSpPr/>
-        <p:nvPr/>
-      </p:nvGrpSpPr>
-      <p:grpSpPr>
-        <a:xfrm>
-          <a:off x="0" y="0"/>
-          <a:ext cx="0" cy="0"/>
-          <a:chOff x="0" y="0"/>
-          <a:chExt cx="0" cy="0"/>
-        </a:xfrm>
-      </p:grpSpPr>
-      <p:sp>
-        <p:nvSpPr>
-          <p:cNvPr id="2" name="Title 1">
-            <a:extLst>
-              <a:ext uri="{FF2B5EF4-FFF2-40B4-BE49-F238E27FC236}">
                 <a16:creationId xmlns:a16="http://schemas.microsoft.com/office/drawing/2014/main" id="{9AACF428-D647-490D-B590-F0BCBAA3128C}"/>
               </a:ext>
             </a:extLst>
@@ -26104,6 +22744,152 @@
       </p:par>
     </p:tnLst>
   </p:timing>
+</p:sld>
+</file>
+
+<file path=ppt/slides/slide4.xml><?xml version="1.0" encoding="utf-8"?>
+<p:sld xmlns:a="http://schemas.openxmlformats.org/drawingml/2006/main" xmlns:r="http://schemas.openxmlformats.org/officeDocument/2006/relationships" xmlns:p="http://schemas.openxmlformats.org/presentationml/2006/main">
+  <p:cSld>
+    <p:spTree>
+      <p:nvGrpSpPr>
+        <p:cNvPr id="1" name=""/>
+        <p:cNvGrpSpPr/>
+        <p:nvPr/>
+      </p:nvGrpSpPr>
+      <p:grpSpPr>
+        <a:xfrm>
+          <a:off x="0" y="0"/>
+          <a:ext cx="0" cy="0"/>
+          <a:chOff x="0" y="0"/>
+          <a:chExt cx="0" cy="0"/>
+        </a:xfrm>
+      </p:grpSpPr>
+      <p:sp>
+        <p:nvSpPr>
+          <p:cNvPr id="2" name="Title 1">
+            <a:extLst>
+              <a:ext uri="{FF2B5EF4-FFF2-40B4-BE49-F238E27FC236}">
+                <a16:creationId xmlns:a16="http://schemas.microsoft.com/office/drawing/2014/main" id="{C471F791-5ADE-4D13-BC78-84BD80A580A0}"/>
+              </a:ext>
+            </a:extLst>
+          </p:cNvPr>
+          <p:cNvSpPr>
+            <a:spLocks noGrp="1"/>
+          </p:cNvSpPr>
+          <p:nvPr>
+            <p:ph type="title"/>
+          </p:nvPr>
+        </p:nvSpPr>
+        <p:spPr/>
+        <p:txBody>
+          <a:bodyPr>
+            <a:normAutofit/>
+          </a:bodyPr>
+          <a:lstStyle/>
+          <a:p>
+            <a:r>
+              <a:rPr lang="en-IE" dirty="0"/>
+              <a:t>Example: Using Schema Methods for Simple Authentication</a:t>
+            </a:r>
+          </a:p>
+        </p:txBody>
+      </p:sp>
+      <p:sp>
+        <p:nvSpPr>
+          <p:cNvPr id="3" name="Content Placeholder 2">
+            <a:extLst>
+              <a:ext uri="{FF2B5EF4-FFF2-40B4-BE49-F238E27FC236}">
+                <a16:creationId xmlns:a16="http://schemas.microsoft.com/office/drawing/2014/main" id="{0765EDC5-4F0F-45EA-B752-E7F84CE835CA}"/>
+              </a:ext>
+            </a:extLst>
+          </p:cNvPr>
+          <p:cNvSpPr>
+            <a:spLocks noGrp="1"/>
+          </p:cNvSpPr>
+          <p:nvPr>
+            <p:ph idx="1"/>
+          </p:nvPr>
+        </p:nvSpPr>
+        <p:spPr/>
+        <p:txBody>
+          <a:bodyPr/>
+          <a:lstStyle/>
+          <a:p>
+            <a:r>
+              <a:rPr lang="en-IE" dirty="0"/>
+              <a:t>Restrict access to API (require authentication):</a:t>
+            </a:r>
+          </a:p>
+          <a:p>
+            <a:pPr lvl="1"/>
+            <a:r>
+              <a:rPr lang="en-IE" dirty="0"/>
+              <a:t>Create users schema with methods for</a:t>
+            </a:r>
+          </a:p>
+          <a:p>
+            <a:pPr lvl="2"/>
+            <a:r>
+              <a:rPr lang="en-IE" dirty="0"/>
+              <a:t>Finding users</a:t>
+            </a:r>
+          </a:p>
+          <a:p>
+            <a:pPr lvl="2"/>
+            <a:r>
+              <a:rPr lang="en-IE" dirty="0"/>
+              <a:t>Checking password</a:t>
+            </a:r>
+          </a:p>
+          <a:p>
+            <a:pPr lvl="1"/>
+            <a:r>
+              <a:rPr lang="en-IE" dirty="0"/>
+              <a:t>Use </a:t>
+            </a:r>
+            <a:r>
+              <a:rPr lang="en-IE" b="1" dirty="0"/>
+              <a:t>express-session</a:t>
+            </a:r>
+            <a:r>
+              <a:rPr lang="en-IE" dirty="0"/>
+              <a:t> middleware to create and manage user session (using cookies)</a:t>
+            </a:r>
+          </a:p>
+          <a:p>
+            <a:pPr lvl="1"/>
+            <a:r>
+              <a:rPr lang="en-IE" dirty="0"/>
+              <a:t>Create an authentication route to set up “session”</a:t>
+            </a:r>
+          </a:p>
+          <a:p>
+            <a:pPr lvl="1"/>
+            <a:r>
+              <a:rPr lang="en-IE" dirty="0"/>
+              <a:t>Create your own authentication middleware and place it on /</a:t>
+            </a:r>
+            <a:r>
+              <a:rPr lang="en-IE" dirty="0" err="1"/>
+              <a:t>api</a:t>
+            </a:r>
+            <a:r>
+              <a:rPr lang="en-IE" dirty="0"/>
+              <a:t>/movies route</a:t>
+            </a:r>
+          </a:p>
+        </p:txBody>
+      </p:sp>
+    </p:spTree>
+    <p:extLst>
+      <p:ext uri="{BB962C8B-B14F-4D97-AF65-F5344CB8AC3E}">
+        <p14:creationId xmlns:p14="http://schemas.microsoft.com/office/powerpoint/2010/main" val="425759060"/>
+      </p:ext>
+    </p:extLst>
+  </p:cSld>
+  <p:clrMapOvr>
+    <a:masterClrMapping/>
+  </p:clrMapOvr>
 </p:sld>
 </file>
 
